--- a/Project/Presentatie_En_UI/StartPresentatieXeroderma.pptx
+++ b/Project/Presentatie_En_UI/StartPresentatieXeroderma.pptx
@@ -6098,6 +6098,13 @@
   <p:clrMapOvr>
     <a:masterClrMapping/>
   </p:clrMapOvr>
+  <p:timing>
+    <p:tnLst>
+      <p:par>
+        <p:cTn id="1" dur="indefinite" restart="never" nodeType="tmRoot"/>
+      </p:par>
+    </p:tnLst>
+  </p:timing>
 </p:sld>
 </file>
 
@@ -6153,7 +6160,12 @@
             <p:ph idx="1"/>
           </p:nvPr>
         </p:nvSpPr>
-        <p:spPr/>
+        <p:spPr>
+          <a:xfrm>
+            <a:off x="762000" y="1524000"/>
+            <a:ext cx="7239000" cy="4724400"/>
+          </a:xfrm>
+        </p:spPr>
         <p:txBody>
           <a:bodyPr>
             <a:normAutofit fontScale="62500" lnSpcReduction="20000"/>
@@ -6241,8 +6253,26 @@
             </a:r>
             <a:r>
               <a:rPr lang="en-US" sz="2800" dirty="0"/>
-              <a:t>: User experience</a:t>
-            </a:r>
+              <a:t>: User </a:t>
+            </a:r>
+            <a:r>
+              <a:rPr lang="en-US" sz="2800" dirty="0" smtClean="0"/>
+              <a:t>experience</a:t>
+            </a:r>
+          </a:p>
+          <a:p>
+            <a:pPr>
+              <a:lnSpc>
+                <a:spcPct val="250000"/>
+              </a:lnSpc>
+              <a:buFont typeface="Wingdings" panose="05000000000000000000" pitchFamily="2" charset="2"/>
+              <a:buChar char="§"/>
+            </a:pPr>
+            <a:r>
+              <a:rPr lang="en-US" sz="2800" dirty="0" smtClean="0"/>
+              <a:t>Jennifer: Planning manager</a:t>
+            </a:r>
+            <a:endParaRPr lang="en-US" sz="2800" dirty="0"/>
           </a:p>
           <a:p>
             <a:endParaRPr lang="en-US" dirty="0"/>
@@ -6259,6 +6289,13 @@
   <p:clrMapOvr>
     <a:masterClrMapping/>
   </p:clrMapOvr>
+  <p:timing>
+    <p:tnLst>
+      <p:par>
+        <p:cTn id="1" dur="indefinite" restart="never" nodeType="tmRoot"/>
+      </p:par>
+    </p:tnLst>
+  </p:timing>
 </p:sld>
 </file>
 
@@ -6320,9 +6357,16 @@
             <p:ph idx="1"/>
           </p:nvPr>
         </p:nvSpPr>
-        <p:spPr/>
-        <p:txBody>
-          <a:bodyPr/>
+        <p:spPr>
+          <a:xfrm>
+            <a:off x="9144000" y="1270000"/>
+            <a:ext cx="3817503" cy="5410200"/>
+          </a:xfrm>
+        </p:spPr>
+        <p:txBody>
+          <a:bodyPr>
+            <a:normAutofit/>
+          </a:bodyPr>
           <a:lstStyle/>
           <a:p>
             <a:pPr marL="0" indent="0">
@@ -6346,20 +6390,12 @@
               <a:buNone/>
             </a:pPr>
             <a:r>
-              <a:rPr lang="nl-NL" dirty="0" err="1"/>
+              <a:rPr lang="nl-NL" dirty="0" err="1" smtClean="0"/>
               <a:t>Bloodborne</a:t>
             </a:r>
             <a:r>
-              <a:rPr lang="nl-NL" dirty="0"/>
+              <a:rPr lang="nl-NL" dirty="0" smtClean="0"/>
               <a:t>/AC </a:t>
-            </a:r>
-            <a:r>
-              <a:rPr lang="nl-NL" dirty="0" err="1"/>
-              <a:t>creed</a:t>
-            </a:r>
-            <a:r>
-              <a:rPr lang="nl-NL" dirty="0"/>
-              <a:t> </a:t>
             </a:r>
             <a:r>
               <a:rPr lang="nl-NL" dirty="0" err="1"/>
@@ -6372,12 +6408,197 @@
               <a:buNone/>
             </a:pPr>
             <a:r>
-              <a:rPr lang="nl-NL" dirty="0"/>
-              <a:t>1900</a:t>
-            </a:r>
-          </a:p>
-        </p:txBody>
-      </p:sp>
+              <a:rPr lang="nl-NL" dirty="0" smtClean="0"/>
+              <a:t>London rond 1850</a:t>
+            </a:r>
+          </a:p>
+          <a:p>
+            <a:pPr marL="0" indent="0">
+              <a:buNone/>
+            </a:pPr>
+            <a:r>
+              <a:rPr lang="en-US" dirty="0" smtClean="0"/>
+              <a:t>[</a:t>
+            </a:r>
+            <a:r>
+              <a:rPr lang="en-US" dirty="0" err="1" smtClean="0"/>
+              <a:t>Xeroderma</a:t>
+            </a:r>
+            <a:r>
+              <a:rPr lang="en-US" dirty="0" smtClean="0"/>
+              <a:t> is </a:t>
+            </a:r>
+            <a:r>
+              <a:rPr lang="en-US" dirty="0" err="1" smtClean="0"/>
+              <a:t>een</a:t>
+            </a:r>
+            <a:r>
+              <a:rPr lang="en-US" dirty="0" smtClean="0"/>
+              <a:t> 2.5D </a:t>
+            </a:r>
+            <a:r>
+              <a:rPr lang="en-US" dirty="0" err="1" smtClean="0"/>
+              <a:t>sidescrolling</a:t>
+            </a:r>
+            <a:r>
+              <a:rPr lang="en-US" dirty="0" smtClean="0"/>
+              <a:t> game </a:t>
+            </a:r>
+            <a:r>
+              <a:rPr lang="en-US" dirty="0" err="1" smtClean="0"/>
+              <a:t>dat</a:t>
+            </a:r>
+            <a:r>
+              <a:rPr lang="en-US" dirty="0" smtClean="0"/>
+              <a:t> </a:t>
+            </a:r>
+            <a:r>
+              <a:rPr lang="en-US" dirty="0" err="1" smtClean="0"/>
+              <a:t>zich</a:t>
+            </a:r>
+            <a:r>
+              <a:rPr lang="en-US" dirty="0" smtClean="0"/>
+              <a:t> </a:t>
+            </a:r>
+            <a:r>
+              <a:rPr lang="en-US" dirty="0" err="1" smtClean="0"/>
+              <a:t>afspeelt</a:t>
+            </a:r>
+            <a:r>
+              <a:rPr lang="en-US" dirty="0" smtClean="0"/>
+              <a:t> in </a:t>
+            </a:r>
+            <a:r>
+              <a:rPr lang="en-US" dirty="0" err="1" smtClean="0"/>
+              <a:t>stad</a:t>
+            </a:r>
+            <a:r>
+              <a:rPr lang="en-US" dirty="0" smtClean="0"/>
+              <a:t> London </a:t>
+            </a:r>
+            <a:r>
+              <a:rPr lang="en-US" dirty="0" err="1" smtClean="0"/>
+              <a:t>rond</a:t>
+            </a:r>
+            <a:r>
+              <a:rPr lang="en-US" dirty="0" smtClean="0"/>
+              <a:t> 1850. </a:t>
+            </a:r>
+            <a:endParaRPr lang="en-US" dirty="0"/>
+          </a:p>
+          <a:p>
+            <a:pPr marL="0" indent="0">
+              <a:buNone/>
+            </a:pPr>
+            <a:r>
+              <a:rPr lang="en-US" dirty="0" smtClean="0"/>
+              <a:t>In de game </a:t>
+            </a:r>
+            <a:r>
+              <a:rPr lang="en-US" dirty="0" err="1" smtClean="0"/>
+              <a:t>speel</a:t>
+            </a:r>
+            <a:r>
+              <a:rPr lang="en-US" dirty="0" smtClean="0"/>
+              <a:t> je </a:t>
+            </a:r>
+            <a:r>
+              <a:rPr lang="en-US" dirty="0" err="1" smtClean="0"/>
+              <a:t>als</a:t>
+            </a:r>
+            <a:r>
+              <a:rPr lang="en-US" dirty="0" smtClean="0"/>
+              <a:t> [Name] </a:t>
+            </a:r>
+            <a:br>
+              <a:rPr lang="en-US" dirty="0" smtClean="0"/>
+            </a:br>
+            <a:r>
+              <a:rPr lang="en-US" dirty="0" smtClean="0"/>
+              <a:t>die </a:t>
+            </a:r>
+            <a:r>
+              <a:rPr lang="en-US" dirty="0" err="1" smtClean="0"/>
+              <a:t>als</a:t>
+            </a:r>
+            <a:r>
+              <a:rPr lang="en-US" dirty="0" smtClean="0"/>
+              <a:t> </a:t>
+            </a:r>
+            <a:r>
+              <a:rPr lang="en-US" dirty="0" err="1" smtClean="0"/>
+              <a:t>levensbron</a:t>
+            </a:r>
+            <a:r>
+              <a:rPr lang="en-US" dirty="0" smtClean="0"/>
+              <a:t> </a:t>
+            </a:r>
+            <a:r>
+              <a:rPr lang="en-US" dirty="0" err="1" smtClean="0"/>
+              <a:t>bloed</a:t>
+            </a:r>
+            <a:r>
+              <a:rPr lang="en-US" dirty="0" smtClean="0"/>
+              <a:t> </a:t>
+            </a:r>
+            <a:r>
+              <a:rPr lang="en-US" dirty="0" err="1" smtClean="0"/>
+              <a:t>gebruikt</a:t>
+            </a:r>
+            <a:r>
+              <a:rPr lang="en-US" dirty="0" smtClean="0"/>
+              <a:t>.]</a:t>
+            </a:r>
+          </a:p>
+          <a:p>
+            <a:pPr marL="0" indent="0">
+              <a:buNone/>
+            </a:pPr>
+            <a:endParaRPr lang="en-US" dirty="0" smtClean="0"/>
+          </a:p>
+        </p:txBody>
+      </p:sp>
+      <p:pic>
+        <p:nvPicPr>
+          <p:cNvPr id="1028" name="Picture 4" descr="Afbeeldingsresultaat voor london 1850"/>
+          <p:cNvPicPr>
+            <a:picLocks noChangeAspect="1" noChangeArrowheads="1"/>
+          </p:cNvPicPr>
+          <p:nvPr/>
+        </p:nvPicPr>
+        <p:blipFill>
+          <a:blip r:embed="rId2">
+            <a:extLst>
+              <a:ext uri="{28A0092B-C50C-407E-A947-70E740481C1C}">
+                <a14:useLocalDpi xmlns:a14="http://schemas.microsoft.com/office/drawing/2010/main" val="0"/>
+              </a:ext>
+            </a:extLst>
+          </a:blip>
+          <a:srcRect/>
+          <a:stretch>
+            <a:fillRect/>
+          </a:stretch>
+        </p:blipFill>
+        <p:spPr bwMode="auto">
+          <a:xfrm>
+            <a:off x="304800" y="1466850"/>
+            <a:ext cx="6775006" cy="4340771"/>
+          </a:xfrm>
+          <a:prstGeom prst="rect">
+            <a:avLst/>
+          </a:prstGeom>
+          <a:noFill/>
+          <a:extLst>
+            <a:ext uri="{909E8E84-426E-40DD-AFC4-6F175D3DCCD1}">
+              <a14:hiddenFill xmlns:a14="http://schemas.microsoft.com/office/drawing/2010/main">
+                <a:solidFill>
+                  <a:srgbClr val="FFFFFF"/>
+                </a:solidFill>
+              </a14:hiddenFill>
+            </a:ext>
+          </a:extLst>
+        </p:spPr>
+      </p:pic>
     </p:spTree>
     <p:extLst>
       <p:ext uri="{BB962C8B-B14F-4D97-AF65-F5344CB8AC3E}">
@@ -6388,6 +6609,13 @@
   <p:clrMapOvr>
     <a:masterClrMapping/>
   </p:clrMapOvr>
+  <p:timing>
+    <p:tnLst>
+      <p:par>
+        <p:cTn id="1" dur="indefinite" restart="never" nodeType="tmRoot"/>
+      </p:par>
+    </p:tnLst>
+  </p:timing>
 </p:sld>
 </file>
 
@@ -6514,6 +6742,13 @@
   <p:clrMapOvr>
     <a:masterClrMapping/>
   </p:clrMapOvr>
+  <p:timing>
+    <p:tnLst>
+      <p:par>
+        <p:cTn id="1" dur="indefinite" restart="never" nodeType="tmRoot"/>
+      </p:par>
+    </p:tnLst>
+  </p:timing>
 </p:sld>
 </file>
 
@@ -6556,25 +6791,154 @@
           </a:p>
         </p:txBody>
       </p:sp>
-      <p:sp>
-        <p:nvSpPr>
-          <p:cNvPr id="3" name="Tijdelijke aanduiding voor inhoud 2"/>
-          <p:cNvSpPr>
-            <a:spLocks noGrp="1"/>
-          </p:cNvSpPr>
+      <p:pic>
+        <p:nvPicPr>
+          <p:cNvPr id="4" name="Tijdelijke aanduiding voor inhoud 3"/>
+          <p:cNvPicPr>
+            <a:picLocks noGrp="1" noChangeAspect="1"/>
+          </p:cNvPicPr>
           <p:nvPr>
             <p:ph idx="1"/>
           </p:nvPr>
-        </p:nvSpPr>
-        <p:spPr/>
-        <p:txBody>
-          <a:bodyPr/>
-          <a:lstStyle/>
-          <a:p>
-            <a:endParaRPr lang="nl-NL"/>
-          </a:p>
-        </p:txBody>
-      </p:sp>
+        </p:nvPicPr>
+        <p:blipFill>
+          <a:blip r:embed="rId2" cstate="print">
+            <a:extLst>
+              <a:ext uri="{28A0092B-C50C-407E-A947-70E740481C1C}">
+                <a14:useLocalDpi xmlns:a14="http://schemas.microsoft.com/office/drawing/2010/main" val="0"/>
+              </a:ext>
+            </a:extLst>
+          </a:blip>
+          <a:stretch>
+            <a:fillRect/>
+          </a:stretch>
+        </p:blipFill>
+        <p:spPr>
+          <a:xfrm>
+            <a:off x="225220" y="1270000"/>
+            <a:ext cx="8809558" cy="4148138"/>
+          </a:xfrm>
+        </p:spPr>
+      </p:pic>
+      <p:pic>
+        <p:nvPicPr>
+          <p:cNvPr id="5" name="Afbeelding 4"/>
+          <p:cNvPicPr>
+            <a:picLocks noChangeAspect="1"/>
+          </p:cNvPicPr>
+          <p:nvPr/>
+        </p:nvPicPr>
+        <p:blipFill>
+          <a:blip r:embed="rId3">
+            <a:extLst>
+              <a:ext uri="{28A0092B-C50C-407E-A947-70E740481C1C}">
+                <a14:useLocalDpi xmlns:a14="http://schemas.microsoft.com/office/drawing/2010/main" val="0"/>
+              </a:ext>
+            </a:extLst>
+          </a:blip>
+          <a:stretch>
+            <a:fillRect/>
+          </a:stretch>
+        </p:blipFill>
+        <p:spPr>
+          <a:xfrm>
+            <a:off x="225220" y="1270000"/>
+            <a:ext cx="2651990" cy="3894157"/>
+          </a:xfrm>
+          <a:prstGeom prst="rect">
+            <a:avLst/>
+          </a:prstGeom>
+        </p:spPr>
+      </p:pic>
+      <p:pic>
+        <p:nvPicPr>
+          <p:cNvPr id="6" name="Afbeelding 5"/>
+          <p:cNvPicPr>
+            <a:picLocks noChangeAspect="1"/>
+          </p:cNvPicPr>
+          <p:nvPr/>
+        </p:nvPicPr>
+        <p:blipFill rotWithShape="1">
+          <a:blip r:embed="rId4">
+            <a:extLst>
+              <a:ext uri="{28A0092B-C50C-407E-A947-70E740481C1C}">
+                <a14:useLocalDpi xmlns:a14="http://schemas.microsoft.com/office/drawing/2010/main" val="0"/>
+              </a:ext>
+            </a:extLst>
+          </a:blip>
+          <a:srcRect l="-687" t="72" r="2308" b="-72"/>
+          <a:stretch/>
+        </p:blipFill>
+        <p:spPr>
+          <a:xfrm>
+            <a:off x="4629999" y="1298575"/>
+            <a:ext cx="2609001" cy="4416425"/>
+          </a:xfrm>
+          <a:prstGeom prst="rect">
+            <a:avLst/>
+          </a:prstGeom>
+        </p:spPr>
+      </p:pic>
+      <p:pic>
+        <p:nvPicPr>
+          <p:cNvPr id="7" name="Afbeelding 6"/>
+          <p:cNvPicPr>
+            <a:picLocks noChangeAspect="1"/>
+          </p:cNvPicPr>
+          <p:nvPr/>
+        </p:nvPicPr>
+        <p:blipFill>
+          <a:blip r:embed="rId5">
+            <a:extLst>
+              <a:ext uri="{28A0092B-C50C-407E-A947-70E740481C1C}">
+                <a14:useLocalDpi xmlns:a14="http://schemas.microsoft.com/office/drawing/2010/main" val="0"/>
+              </a:ext>
+            </a:extLst>
+          </a:blip>
+          <a:stretch>
+            <a:fillRect/>
+          </a:stretch>
+        </p:blipFill>
+        <p:spPr>
+          <a:xfrm>
+            <a:off x="225220" y="1270000"/>
+            <a:ext cx="5681973" cy="5132538"/>
+          </a:xfrm>
+          <a:prstGeom prst="rect">
+            <a:avLst/>
+          </a:prstGeom>
+        </p:spPr>
+      </p:pic>
+      <p:pic>
+        <p:nvPicPr>
+          <p:cNvPr id="8" name="Afbeelding 7"/>
+          <p:cNvPicPr>
+            <a:picLocks noChangeAspect="1"/>
+          </p:cNvPicPr>
+          <p:nvPr/>
+        </p:nvPicPr>
+        <p:blipFill>
+          <a:blip r:embed="rId6">
+            <a:extLst>
+              <a:ext uri="{28A0092B-C50C-407E-A947-70E740481C1C}">
+                <a14:useLocalDpi xmlns:a14="http://schemas.microsoft.com/office/drawing/2010/main" val="0"/>
+              </a:ext>
+            </a:extLst>
+          </a:blip>
+          <a:stretch>
+            <a:fillRect/>
+          </a:stretch>
+        </p:blipFill>
+        <p:spPr>
+          <a:xfrm>
+            <a:off x="5907193" y="1270000"/>
+            <a:ext cx="3221467" cy="934623"/>
+          </a:xfrm>
+          <a:prstGeom prst="rect">
+            <a:avLst/>
+          </a:prstGeom>
+        </p:spPr>
+      </p:pic>
     </p:spTree>
     <p:extLst>
       <p:ext uri="{BB962C8B-B14F-4D97-AF65-F5344CB8AC3E}">
@@ -6585,6 +6949,248 @@
   <p:clrMapOvr>
     <a:masterClrMapping/>
   </p:clrMapOvr>
+  <p:timing>
+    <p:tnLst>
+      <p:par>
+        <p:cTn id="1" dur="indefinite" restart="never" nodeType="tmRoot">
+          <p:childTnLst>
+            <p:seq concurrent="1" nextAc="seek">
+              <p:cTn id="2" dur="indefinite" nodeType="mainSeq">
+                <p:childTnLst>
+                  <p:par>
+                    <p:cTn id="3" fill="hold">
+                      <p:stCondLst>
+                        <p:cond delay="indefinite"/>
+                      </p:stCondLst>
+                      <p:childTnLst>
+                        <p:par>
+                          <p:cTn id="4" fill="hold">
+                            <p:stCondLst>
+                              <p:cond delay="0"/>
+                            </p:stCondLst>
+                            <p:childTnLst>
+                              <p:par>
+                                <p:cTn id="5" presetID="10" presetClass="entr" presetSubtype="0" fill="hold" nodeType="clickEffect">
+                                  <p:stCondLst>
+                                    <p:cond delay="0"/>
+                                  </p:stCondLst>
+                                  <p:childTnLst>
+                                    <p:set>
+                                      <p:cBhvr>
+                                        <p:cTn id="6" dur="1" fill="hold">
+                                          <p:stCondLst>
+                                            <p:cond delay="0"/>
+                                          </p:stCondLst>
+                                        </p:cTn>
+                                        <p:tgtEl>
+                                          <p:spTgt spid="5"/>
+                                        </p:tgtEl>
+                                        <p:attrNameLst>
+                                          <p:attrName>style.visibility</p:attrName>
+                                        </p:attrNameLst>
+                                      </p:cBhvr>
+                                      <p:to>
+                                        <p:strVal val="visible"/>
+                                      </p:to>
+                                    </p:set>
+                                    <p:animEffect transition="in" filter="fade">
+                                      <p:cBhvr>
+                                        <p:cTn id="7" dur="500"/>
+                                        <p:tgtEl>
+                                          <p:spTgt spid="5"/>
+                                        </p:tgtEl>
+                                      </p:cBhvr>
+                                    </p:animEffect>
+                                  </p:childTnLst>
+                                </p:cTn>
+                              </p:par>
+                            </p:childTnLst>
+                          </p:cTn>
+                        </p:par>
+                      </p:childTnLst>
+                    </p:cTn>
+                  </p:par>
+                  <p:par>
+                    <p:cTn id="8" fill="hold">
+                      <p:stCondLst>
+                        <p:cond delay="indefinite"/>
+                      </p:stCondLst>
+                      <p:childTnLst>
+                        <p:par>
+                          <p:cTn id="9" fill="hold">
+                            <p:stCondLst>
+                              <p:cond delay="0"/>
+                            </p:stCondLst>
+                            <p:childTnLst>
+                              <p:par>
+                                <p:cTn id="10" presetID="10" presetClass="entr" presetSubtype="0" fill="hold" nodeType="clickEffect">
+                                  <p:stCondLst>
+                                    <p:cond delay="0"/>
+                                  </p:stCondLst>
+                                  <p:childTnLst>
+                                    <p:set>
+                                      <p:cBhvr>
+                                        <p:cTn id="11" dur="1" fill="hold">
+                                          <p:stCondLst>
+                                            <p:cond delay="0"/>
+                                          </p:stCondLst>
+                                        </p:cTn>
+                                        <p:tgtEl>
+                                          <p:spTgt spid="6"/>
+                                        </p:tgtEl>
+                                        <p:attrNameLst>
+                                          <p:attrName>style.visibility</p:attrName>
+                                        </p:attrNameLst>
+                                      </p:cBhvr>
+                                      <p:to>
+                                        <p:strVal val="visible"/>
+                                      </p:to>
+                                    </p:set>
+                                    <p:animEffect transition="in" filter="fade">
+                                      <p:cBhvr>
+                                        <p:cTn id="12" dur="500"/>
+                                        <p:tgtEl>
+                                          <p:spTgt spid="6"/>
+                                        </p:tgtEl>
+                                      </p:cBhvr>
+                                    </p:animEffect>
+                                  </p:childTnLst>
+                                </p:cTn>
+                              </p:par>
+                            </p:childTnLst>
+                          </p:cTn>
+                        </p:par>
+                      </p:childTnLst>
+                    </p:cTn>
+                  </p:par>
+                  <p:par>
+                    <p:cTn id="13" fill="hold">
+                      <p:stCondLst>
+                        <p:cond delay="indefinite"/>
+                      </p:stCondLst>
+                      <p:childTnLst>
+                        <p:par>
+                          <p:cTn id="14" fill="hold">
+                            <p:stCondLst>
+                              <p:cond delay="0"/>
+                            </p:stCondLst>
+                            <p:childTnLst>
+                              <p:par>
+                                <p:cTn id="15" presetID="10" presetClass="entr" presetSubtype="0" fill="hold" nodeType="clickEffect">
+                                  <p:stCondLst>
+                                    <p:cond delay="0"/>
+                                  </p:stCondLst>
+                                  <p:childTnLst>
+                                    <p:set>
+                                      <p:cBhvr>
+                                        <p:cTn id="16" dur="1" fill="hold">
+                                          <p:stCondLst>
+                                            <p:cond delay="0"/>
+                                          </p:stCondLst>
+                                        </p:cTn>
+                                        <p:tgtEl>
+                                          <p:spTgt spid="8"/>
+                                        </p:tgtEl>
+                                        <p:attrNameLst>
+                                          <p:attrName>style.visibility</p:attrName>
+                                        </p:attrNameLst>
+                                      </p:cBhvr>
+                                      <p:to>
+                                        <p:strVal val="visible"/>
+                                      </p:to>
+                                    </p:set>
+                                    <p:animEffect transition="in" filter="fade">
+                                      <p:cBhvr>
+                                        <p:cTn id="17" dur="500"/>
+                                        <p:tgtEl>
+                                          <p:spTgt spid="8"/>
+                                        </p:tgtEl>
+                                      </p:cBhvr>
+                                    </p:animEffect>
+                                  </p:childTnLst>
+                                </p:cTn>
+                              </p:par>
+                            </p:childTnLst>
+                          </p:cTn>
+                        </p:par>
+                      </p:childTnLst>
+                    </p:cTn>
+                  </p:par>
+                  <p:par>
+                    <p:cTn id="18" fill="hold">
+                      <p:stCondLst>
+                        <p:cond delay="indefinite"/>
+                      </p:stCondLst>
+                      <p:childTnLst>
+                        <p:par>
+                          <p:cTn id="19" fill="hold">
+                            <p:stCondLst>
+                              <p:cond delay="0"/>
+                            </p:stCondLst>
+                            <p:childTnLst>
+                              <p:par>
+                                <p:cTn id="20" presetID="10" presetClass="entr" presetSubtype="0" fill="hold" nodeType="clickEffect">
+                                  <p:stCondLst>
+                                    <p:cond delay="0"/>
+                                  </p:stCondLst>
+                                  <p:childTnLst>
+                                    <p:set>
+                                      <p:cBhvr>
+                                        <p:cTn id="21" dur="1" fill="hold">
+                                          <p:stCondLst>
+                                            <p:cond delay="0"/>
+                                          </p:stCondLst>
+                                        </p:cTn>
+                                        <p:tgtEl>
+                                          <p:spTgt spid="7"/>
+                                        </p:tgtEl>
+                                        <p:attrNameLst>
+                                          <p:attrName>style.visibility</p:attrName>
+                                        </p:attrNameLst>
+                                      </p:cBhvr>
+                                      <p:to>
+                                        <p:strVal val="visible"/>
+                                      </p:to>
+                                    </p:set>
+                                    <p:animEffect transition="in" filter="fade">
+                                      <p:cBhvr>
+                                        <p:cTn id="22" dur="500"/>
+                                        <p:tgtEl>
+                                          <p:spTgt spid="7"/>
+                                        </p:tgtEl>
+                                      </p:cBhvr>
+                                    </p:animEffect>
+                                  </p:childTnLst>
+                                </p:cTn>
+                              </p:par>
+                            </p:childTnLst>
+                          </p:cTn>
+                        </p:par>
+                      </p:childTnLst>
+                    </p:cTn>
+                  </p:par>
+                </p:childTnLst>
+              </p:cTn>
+              <p:prevCondLst>
+                <p:cond evt="onPrev" delay="0">
+                  <p:tgtEl>
+                    <p:sldTgt/>
+                  </p:tgtEl>
+                </p:cond>
+              </p:prevCondLst>
+              <p:nextCondLst>
+                <p:cond evt="onNext" delay="0">
+                  <p:tgtEl>
+                    <p:sldTgt/>
+                  </p:tgtEl>
+                </p:cond>
+              </p:nextCondLst>
+            </p:seq>
+          </p:childTnLst>
+        </p:cTn>
+      </p:par>
+    </p:tnLst>
+  </p:timing>
 </p:sld>
 </file>
 
@@ -6820,6 +7426,13 @@
   <p:clrMapOvr>
     <a:masterClrMapping/>
   </p:clrMapOvr>
+  <p:timing>
+    <p:tnLst>
+      <p:par>
+        <p:cTn id="1" dur="indefinite" restart="never" nodeType="tmRoot"/>
+      </p:par>
+    </p:tnLst>
+  </p:timing>
 </p:sld>
 </file>
 
@@ -6891,6 +7504,13 @@
   <p:clrMapOvr>
     <a:masterClrMapping/>
   </p:clrMapOvr>
+  <p:timing>
+    <p:tnLst>
+      <p:par>
+        <p:cTn id="1" dur="indefinite" restart="never" nodeType="tmRoot"/>
+      </p:par>
+    </p:tnLst>
+  </p:timing>
 </p:sld>
 </file>
 

--- a/Project/Presentatie_En_UI/StartPresentatieXeroderma.pptx
+++ b/Project/Presentatie_En_UI/StartPresentatieXeroderma.pptx
@@ -6098,13 +6098,6 @@
   <p:clrMapOvr>
     <a:masterClrMapping/>
   </p:clrMapOvr>
-  <p:timing>
-    <p:tnLst>
-      <p:par>
-        <p:cTn id="1" dur="indefinite" restart="never" nodeType="tmRoot"/>
-      </p:par>
-    </p:tnLst>
-  </p:timing>
 </p:sld>
 </file>
 
@@ -6160,12 +6153,7 @@
             <p:ph idx="1"/>
           </p:nvPr>
         </p:nvSpPr>
-        <p:spPr>
-          <a:xfrm>
-            <a:off x="762000" y="1524000"/>
-            <a:ext cx="7239000" cy="4724400"/>
-          </a:xfrm>
-        </p:spPr>
+        <p:spPr/>
         <p:txBody>
           <a:bodyPr>
             <a:normAutofit fontScale="62500" lnSpcReduction="20000"/>
@@ -6253,26 +6241,8 @@
             </a:r>
             <a:r>
               <a:rPr lang="en-US" sz="2800" dirty="0"/>
-              <a:t>: User </a:t>
-            </a:r>
-            <a:r>
-              <a:rPr lang="en-US" sz="2800" dirty="0" smtClean="0"/>
-              <a:t>experience</a:t>
-            </a:r>
-          </a:p>
-          <a:p>
-            <a:pPr>
-              <a:lnSpc>
-                <a:spcPct val="250000"/>
-              </a:lnSpc>
-              <a:buFont typeface="Wingdings" panose="05000000000000000000" pitchFamily="2" charset="2"/>
-              <a:buChar char="§"/>
-            </a:pPr>
-            <a:r>
-              <a:rPr lang="en-US" sz="2800" dirty="0" smtClean="0"/>
-              <a:t>Jennifer: Planning manager</a:t>
-            </a:r>
-            <a:endParaRPr lang="en-US" sz="2800" dirty="0"/>
+              <a:t>: User experience</a:t>
+            </a:r>
           </a:p>
           <a:p>
             <a:endParaRPr lang="en-US" dirty="0"/>
@@ -6289,13 +6259,6 @@
   <p:clrMapOvr>
     <a:masterClrMapping/>
   </p:clrMapOvr>
-  <p:timing>
-    <p:tnLst>
-      <p:par>
-        <p:cTn id="1" dur="indefinite" restart="never" nodeType="tmRoot"/>
-      </p:par>
-    </p:tnLst>
-  </p:timing>
 </p:sld>
 </file>
 
@@ -6357,16 +6320,9 @@
             <p:ph idx="1"/>
           </p:nvPr>
         </p:nvSpPr>
-        <p:spPr>
-          <a:xfrm>
-            <a:off x="9144000" y="1270000"/>
-            <a:ext cx="3817503" cy="5410200"/>
-          </a:xfrm>
-        </p:spPr>
-        <p:txBody>
-          <a:bodyPr>
-            <a:normAutofit/>
-          </a:bodyPr>
+        <p:spPr/>
+        <p:txBody>
+          <a:bodyPr/>
           <a:lstStyle/>
           <a:p>
             <a:pPr marL="0" indent="0">
@@ -6390,12 +6346,20 @@
               <a:buNone/>
             </a:pPr>
             <a:r>
-              <a:rPr lang="nl-NL" dirty="0" err="1" smtClean="0"/>
+              <a:rPr lang="nl-NL" dirty="0" err="1"/>
               <a:t>Bloodborne</a:t>
             </a:r>
             <a:r>
-              <a:rPr lang="nl-NL" dirty="0" smtClean="0"/>
+              <a:rPr lang="nl-NL" dirty="0"/>
               <a:t>/AC </a:t>
+            </a:r>
+            <a:r>
+              <a:rPr lang="nl-NL" dirty="0" err="1"/>
+              <a:t>creed</a:t>
+            </a:r>
+            <a:r>
+              <a:rPr lang="nl-NL" dirty="0"/>
+              <a:t> </a:t>
             </a:r>
             <a:r>
               <a:rPr lang="nl-NL" dirty="0" err="1"/>
@@ -6408,197 +6372,12 @@
               <a:buNone/>
             </a:pPr>
             <a:r>
-              <a:rPr lang="nl-NL" dirty="0" smtClean="0"/>
-              <a:t>London rond 1850</a:t>
-            </a:r>
-          </a:p>
-          <a:p>
-            <a:pPr marL="0" indent="0">
-              <a:buNone/>
-            </a:pPr>
-            <a:r>
-              <a:rPr lang="en-US" dirty="0" smtClean="0"/>
-              <a:t>[</a:t>
-            </a:r>
-            <a:r>
-              <a:rPr lang="en-US" dirty="0" err="1" smtClean="0"/>
-              <a:t>Xeroderma</a:t>
-            </a:r>
-            <a:r>
-              <a:rPr lang="en-US" dirty="0" smtClean="0"/>
-              <a:t> is </a:t>
-            </a:r>
-            <a:r>
-              <a:rPr lang="en-US" dirty="0" err="1" smtClean="0"/>
-              <a:t>een</a:t>
-            </a:r>
-            <a:r>
-              <a:rPr lang="en-US" dirty="0" smtClean="0"/>
-              <a:t> 2.5D </a:t>
-            </a:r>
-            <a:r>
-              <a:rPr lang="en-US" dirty="0" err="1" smtClean="0"/>
-              <a:t>sidescrolling</a:t>
-            </a:r>
-            <a:r>
-              <a:rPr lang="en-US" dirty="0" smtClean="0"/>
-              <a:t> game </a:t>
-            </a:r>
-            <a:r>
-              <a:rPr lang="en-US" dirty="0" err="1" smtClean="0"/>
-              <a:t>dat</a:t>
-            </a:r>
-            <a:r>
-              <a:rPr lang="en-US" dirty="0" smtClean="0"/>
-              <a:t> </a:t>
-            </a:r>
-            <a:r>
-              <a:rPr lang="en-US" dirty="0" err="1" smtClean="0"/>
-              <a:t>zich</a:t>
-            </a:r>
-            <a:r>
-              <a:rPr lang="en-US" dirty="0" smtClean="0"/>
-              <a:t> </a:t>
-            </a:r>
-            <a:r>
-              <a:rPr lang="en-US" dirty="0" err="1" smtClean="0"/>
-              <a:t>afspeelt</a:t>
-            </a:r>
-            <a:r>
-              <a:rPr lang="en-US" dirty="0" smtClean="0"/>
-              <a:t> in </a:t>
-            </a:r>
-            <a:r>
-              <a:rPr lang="en-US" dirty="0" err="1" smtClean="0"/>
-              <a:t>stad</a:t>
-            </a:r>
-            <a:r>
-              <a:rPr lang="en-US" dirty="0" smtClean="0"/>
-              <a:t> London </a:t>
-            </a:r>
-            <a:r>
-              <a:rPr lang="en-US" dirty="0" err="1" smtClean="0"/>
-              <a:t>rond</a:t>
-            </a:r>
-            <a:r>
-              <a:rPr lang="en-US" dirty="0" smtClean="0"/>
-              <a:t> 1850. </a:t>
-            </a:r>
-            <a:endParaRPr lang="en-US" dirty="0"/>
-          </a:p>
-          <a:p>
-            <a:pPr marL="0" indent="0">
-              <a:buNone/>
-            </a:pPr>
-            <a:r>
-              <a:rPr lang="en-US" dirty="0" smtClean="0"/>
-              <a:t>In de game </a:t>
-            </a:r>
-            <a:r>
-              <a:rPr lang="en-US" dirty="0" err="1" smtClean="0"/>
-              <a:t>speel</a:t>
-            </a:r>
-            <a:r>
-              <a:rPr lang="en-US" dirty="0" smtClean="0"/>
-              <a:t> je </a:t>
-            </a:r>
-            <a:r>
-              <a:rPr lang="en-US" dirty="0" err="1" smtClean="0"/>
-              <a:t>als</a:t>
-            </a:r>
-            <a:r>
-              <a:rPr lang="en-US" dirty="0" smtClean="0"/>
-              <a:t> [Name] </a:t>
-            </a:r>
-            <a:br>
-              <a:rPr lang="en-US" dirty="0" smtClean="0"/>
-            </a:br>
-            <a:r>
-              <a:rPr lang="en-US" dirty="0" smtClean="0"/>
-              <a:t>die </a:t>
-            </a:r>
-            <a:r>
-              <a:rPr lang="en-US" dirty="0" err="1" smtClean="0"/>
-              <a:t>als</a:t>
-            </a:r>
-            <a:r>
-              <a:rPr lang="en-US" dirty="0" smtClean="0"/>
-              <a:t> </a:t>
-            </a:r>
-            <a:r>
-              <a:rPr lang="en-US" dirty="0" err="1" smtClean="0"/>
-              <a:t>levensbron</a:t>
-            </a:r>
-            <a:r>
-              <a:rPr lang="en-US" dirty="0" smtClean="0"/>
-              <a:t> </a:t>
-            </a:r>
-            <a:r>
-              <a:rPr lang="en-US" dirty="0" err="1" smtClean="0"/>
-              <a:t>bloed</a:t>
-            </a:r>
-            <a:r>
-              <a:rPr lang="en-US" dirty="0" smtClean="0"/>
-              <a:t> </a:t>
-            </a:r>
-            <a:r>
-              <a:rPr lang="en-US" dirty="0" err="1" smtClean="0"/>
-              <a:t>gebruikt</a:t>
-            </a:r>
-            <a:r>
-              <a:rPr lang="en-US" dirty="0" smtClean="0"/>
-              <a:t>.]</a:t>
-            </a:r>
-          </a:p>
-          <a:p>
-            <a:pPr marL="0" indent="0">
-              <a:buNone/>
-            </a:pPr>
-            <a:endParaRPr lang="en-US" dirty="0" smtClean="0"/>
-          </a:p>
-        </p:txBody>
-      </p:sp>
-      <p:pic>
-        <p:nvPicPr>
-          <p:cNvPr id="1028" name="Picture 4" descr="Afbeeldingsresultaat voor london 1850"/>
-          <p:cNvPicPr>
-            <a:picLocks noChangeAspect="1" noChangeArrowheads="1"/>
-          </p:cNvPicPr>
-          <p:nvPr/>
-        </p:nvPicPr>
-        <p:blipFill>
-          <a:blip r:embed="rId2">
-            <a:extLst>
-              <a:ext uri="{28A0092B-C50C-407E-A947-70E740481C1C}">
-                <a14:useLocalDpi xmlns:a14="http://schemas.microsoft.com/office/drawing/2010/main" val="0"/>
-              </a:ext>
-            </a:extLst>
-          </a:blip>
-          <a:srcRect/>
-          <a:stretch>
-            <a:fillRect/>
-          </a:stretch>
-        </p:blipFill>
-        <p:spPr bwMode="auto">
-          <a:xfrm>
-            <a:off x="304800" y="1466850"/>
-            <a:ext cx="6775006" cy="4340771"/>
-          </a:xfrm>
-          <a:prstGeom prst="rect">
-            <a:avLst/>
-          </a:prstGeom>
-          <a:noFill/>
-          <a:extLst>
-            <a:ext uri="{909E8E84-426E-40DD-AFC4-6F175D3DCCD1}">
-              <a14:hiddenFill xmlns:a14="http://schemas.microsoft.com/office/drawing/2010/main">
-                <a:solidFill>
-                  <a:srgbClr val="FFFFFF"/>
-                </a:solidFill>
-              </a14:hiddenFill>
-            </a:ext>
-          </a:extLst>
-        </p:spPr>
-      </p:pic>
+              <a:rPr lang="nl-NL" dirty="0"/>
+              <a:t>1900</a:t>
+            </a:r>
+          </a:p>
+        </p:txBody>
+      </p:sp>
     </p:spTree>
     <p:extLst>
       <p:ext uri="{BB962C8B-B14F-4D97-AF65-F5344CB8AC3E}">
@@ -6609,13 +6388,6 @@
   <p:clrMapOvr>
     <a:masterClrMapping/>
   </p:clrMapOvr>
-  <p:timing>
-    <p:tnLst>
-      <p:par>
-        <p:cTn id="1" dur="indefinite" restart="never" nodeType="tmRoot"/>
-      </p:par>
-    </p:tnLst>
-  </p:timing>
 </p:sld>
 </file>
 
@@ -6742,13 +6514,6 @@
   <p:clrMapOvr>
     <a:masterClrMapping/>
   </p:clrMapOvr>
-  <p:timing>
-    <p:tnLst>
-      <p:par>
-        <p:cTn id="1" dur="indefinite" restart="never" nodeType="tmRoot"/>
-      </p:par>
-    </p:tnLst>
-  </p:timing>
 </p:sld>
 </file>
 
@@ -6791,154 +6556,25 @@
           </a:p>
         </p:txBody>
       </p:sp>
-      <p:pic>
-        <p:nvPicPr>
-          <p:cNvPr id="4" name="Tijdelijke aanduiding voor inhoud 3"/>
-          <p:cNvPicPr>
-            <a:picLocks noGrp="1" noChangeAspect="1"/>
-          </p:cNvPicPr>
+      <p:sp>
+        <p:nvSpPr>
+          <p:cNvPr id="3" name="Tijdelijke aanduiding voor inhoud 2"/>
+          <p:cNvSpPr>
+            <a:spLocks noGrp="1"/>
+          </p:cNvSpPr>
           <p:nvPr>
             <p:ph idx="1"/>
           </p:nvPr>
-        </p:nvPicPr>
-        <p:blipFill>
-          <a:blip r:embed="rId2" cstate="print">
-            <a:extLst>
-              <a:ext uri="{28A0092B-C50C-407E-A947-70E740481C1C}">
-                <a14:useLocalDpi xmlns:a14="http://schemas.microsoft.com/office/drawing/2010/main" val="0"/>
-              </a:ext>
-            </a:extLst>
-          </a:blip>
-          <a:stretch>
-            <a:fillRect/>
-          </a:stretch>
-        </p:blipFill>
-        <p:spPr>
-          <a:xfrm>
-            <a:off x="225220" y="1270000"/>
-            <a:ext cx="8809558" cy="4148138"/>
-          </a:xfrm>
-        </p:spPr>
-      </p:pic>
-      <p:pic>
-        <p:nvPicPr>
-          <p:cNvPr id="5" name="Afbeelding 4"/>
-          <p:cNvPicPr>
-            <a:picLocks noChangeAspect="1"/>
-          </p:cNvPicPr>
-          <p:nvPr/>
-        </p:nvPicPr>
-        <p:blipFill>
-          <a:blip r:embed="rId3">
-            <a:extLst>
-              <a:ext uri="{28A0092B-C50C-407E-A947-70E740481C1C}">
-                <a14:useLocalDpi xmlns:a14="http://schemas.microsoft.com/office/drawing/2010/main" val="0"/>
-              </a:ext>
-            </a:extLst>
-          </a:blip>
-          <a:stretch>
-            <a:fillRect/>
-          </a:stretch>
-        </p:blipFill>
-        <p:spPr>
-          <a:xfrm>
-            <a:off x="225220" y="1270000"/>
-            <a:ext cx="2651990" cy="3894157"/>
-          </a:xfrm>
-          <a:prstGeom prst="rect">
-            <a:avLst/>
-          </a:prstGeom>
-        </p:spPr>
-      </p:pic>
-      <p:pic>
-        <p:nvPicPr>
-          <p:cNvPr id="6" name="Afbeelding 5"/>
-          <p:cNvPicPr>
-            <a:picLocks noChangeAspect="1"/>
-          </p:cNvPicPr>
-          <p:nvPr/>
-        </p:nvPicPr>
-        <p:blipFill rotWithShape="1">
-          <a:blip r:embed="rId4">
-            <a:extLst>
-              <a:ext uri="{28A0092B-C50C-407E-A947-70E740481C1C}">
-                <a14:useLocalDpi xmlns:a14="http://schemas.microsoft.com/office/drawing/2010/main" val="0"/>
-              </a:ext>
-            </a:extLst>
-          </a:blip>
-          <a:srcRect l="-687" t="72" r="2308" b="-72"/>
-          <a:stretch/>
-        </p:blipFill>
-        <p:spPr>
-          <a:xfrm>
-            <a:off x="4629999" y="1298575"/>
-            <a:ext cx="2609001" cy="4416425"/>
-          </a:xfrm>
-          <a:prstGeom prst="rect">
-            <a:avLst/>
-          </a:prstGeom>
-        </p:spPr>
-      </p:pic>
-      <p:pic>
-        <p:nvPicPr>
-          <p:cNvPr id="7" name="Afbeelding 6"/>
-          <p:cNvPicPr>
-            <a:picLocks noChangeAspect="1"/>
-          </p:cNvPicPr>
-          <p:nvPr/>
-        </p:nvPicPr>
-        <p:blipFill>
-          <a:blip r:embed="rId5">
-            <a:extLst>
-              <a:ext uri="{28A0092B-C50C-407E-A947-70E740481C1C}">
-                <a14:useLocalDpi xmlns:a14="http://schemas.microsoft.com/office/drawing/2010/main" val="0"/>
-              </a:ext>
-            </a:extLst>
-          </a:blip>
-          <a:stretch>
-            <a:fillRect/>
-          </a:stretch>
-        </p:blipFill>
-        <p:spPr>
-          <a:xfrm>
-            <a:off x="225220" y="1270000"/>
-            <a:ext cx="5681973" cy="5132538"/>
-          </a:xfrm>
-          <a:prstGeom prst="rect">
-            <a:avLst/>
-          </a:prstGeom>
-        </p:spPr>
-      </p:pic>
-      <p:pic>
-        <p:nvPicPr>
-          <p:cNvPr id="8" name="Afbeelding 7"/>
-          <p:cNvPicPr>
-            <a:picLocks noChangeAspect="1"/>
-          </p:cNvPicPr>
-          <p:nvPr/>
-        </p:nvPicPr>
-        <p:blipFill>
-          <a:blip r:embed="rId6">
-            <a:extLst>
-              <a:ext uri="{28A0092B-C50C-407E-A947-70E740481C1C}">
-                <a14:useLocalDpi xmlns:a14="http://schemas.microsoft.com/office/drawing/2010/main" val="0"/>
-              </a:ext>
-            </a:extLst>
-          </a:blip>
-          <a:stretch>
-            <a:fillRect/>
-          </a:stretch>
-        </p:blipFill>
-        <p:spPr>
-          <a:xfrm>
-            <a:off x="5907193" y="1270000"/>
-            <a:ext cx="3221467" cy="934623"/>
-          </a:xfrm>
-          <a:prstGeom prst="rect">
-            <a:avLst/>
-          </a:prstGeom>
-        </p:spPr>
-      </p:pic>
+        </p:nvSpPr>
+        <p:spPr/>
+        <p:txBody>
+          <a:bodyPr/>
+          <a:lstStyle/>
+          <a:p>
+            <a:endParaRPr lang="nl-NL"/>
+          </a:p>
+        </p:txBody>
+      </p:sp>
     </p:spTree>
     <p:extLst>
       <p:ext uri="{BB962C8B-B14F-4D97-AF65-F5344CB8AC3E}">
@@ -6949,248 +6585,6 @@
   <p:clrMapOvr>
     <a:masterClrMapping/>
   </p:clrMapOvr>
-  <p:timing>
-    <p:tnLst>
-      <p:par>
-        <p:cTn id="1" dur="indefinite" restart="never" nodeType="tmRoot">
-          <p:childTnLst>
-            <p:seq concurrent="1" nextAc="seek">
-              <p:cTn id="2" dur="indefinite" nodeType="mainSeq">
-                <p:childTnLst>
-                  <p:par>
-                    <p:cTn id="3" fill="hold">
-                      <p:stCondLst>
-                        <p:cond delay="indefinite"/>
-                      </p:stCondLst>
-                      <p:childTnLst>
-                        <p:par>
-                          <p:cTn id="4" fill="hold">
-                            <p:stCondLst>
-                              <p:cond delay="0"/>
-                            </p:stCondLst>
-                            <p:childTnLst>
-                              <p:par>
-                                <p:cTn id="5" presetID="10" presetClass="entr" presetSubtype="0" fill="hold" nodeType="clickEffect">
-                                  <p:stCondLst>
-                                    <p:cond delay="0"/>
-                                  </p:stCondLst>
-                                  <p:childTnLst>
-                                    <p:set>
-                                      <p:cBhvr>
-                                        <p:cTn id="6" dur="1" fill="hold">
-                                          <p:stCondLst>
-                                            <p:cond delay="0"/>
-                                          </p:stCondLst>
-                                        </p:cTn>
-                                        <p:tgtEl>
-                                          <p:spTgt spid="5"/>
-                                        </p:tgtEl>
-                                        <p:attrNameLst>
-                                          <p:attrName>style.visibility</p:attrName>
-                                        </p:attrNameLst>
-                                      </p:cBhvr>
-                                      <p:to>
-                                        <p:strVal val="visible"/>
-                                      </p:to>
-                                    </p:set>
-                                    <p:animEffect transition="in" filter="fade">
-                                      <p:cBhvr>
-                                        <p:cTn id="7" dur="500"/>
-                                        <p:tgtEl>
-                                          <p:spTgt spid="5"/>
-                                        </p:tgtEl>
-                                      </p:cBhvr>
-                                    </p:animEffect>
-                                  </p:childTnLst>
-                                </p:cTn>
-                              </p:par>
-                            </p:childTnLst>
-                          </p:cTn>
-                        </p:par>
-                      </p:childTnLst>
-                    </p:cTn>
-                  </p:par>
-                  <p:par>
-                    <p:cTn id="8" fill="hold">
-                      <p:stCondLst>
-                        <p:cond delay="indefinite"/>
-                      </p:stCondLst>
-                      <p:childTnLst>
-                        <p:par>
-                          <p:cTn id="9" fill="hold">
-                            <p:stCondLst>
-                              <p:cond delay="0"/>
-                            </p:stCondLst>
-                            <p:childTnLst>
-                              <p:par>
-                                <p:cTn id="10" presetID="10" presetClass="entr" presetSubtype="0" fill="hold" nodeType="clickEffect">
-                                  <p:stCondLst>
-                                    <p:cond delay="0"/>
-                                  </p:stCondLst>
-                                  <p:childTnLst>
-                                    <p:set>
-                                      <p:cBhvr>
-                                        <p:cTn id="11" dur="1" fill="hold">
-                                          <p:stCondLst>
-                                            <p:cond delay="0"/>
-                                          </p:stCondLst>
-                                        </p:cTn>
-                                        <p:tgtEl>
-                                          <p:spTgt spid="6"/>
-                                        </p:tgtEl>
-                                        <p:attrNameLst>
-                                          <p:attrName>style.visibility</p:attrName>
-                                        </p:attrNameLst>
-                                      </p:cBhvr>
-                                      <p:to>
-                                        <p:strVal val="visible"/>
-                                      </p:to>
-                                    </p:set>
-                                    <p:animEffect transition="in" filter="fade">
-                                      <p:cBhvr>
-                                        <p:cTn id="12" dur="500"/>
-                                        <p:tgtEl>
-                                          <p:spTgt spid="6"/>
-                                        </p:tgtEl>
-                                      </p:cBhvr>
-                                    </p:animEffect>
-                                  </p:childTnLst>
-                                </p:cTn>
-                              </p:par>
-                            </p:childTnLst>
-                          </p:cTn>
-                        </p:par>
-                      </p:childTnLst>
-                    </p:cTn>
-                  </p:par>
-                  <p:par>
-                    <p:cTn id="13" fill="hold">
-                      <p:stCondLst>
-                        <p:cond delay="indefinite"/>
-                      </p:stCondLst>
-                      <p:childTnLst>
-                        <p:par>
-                          <p:cTn id="14" fill="hold">
-                            <p:stCondLst>
-                              <p:cond delay="0"/>
-                            </p:stCondLst>
-                            <p:childTnLst>
-                              <p:par>
-                                <p:cTn id="15" presetID="10" presetClass="entr" presetSubtype="0" fill="hold" nodeType="clickEffect">
-                                  <p:stCondLst>
-                                    <p:cond delay="0"/>
-                                  </p:stCondLst>
-                                  <p:childTnLst>
-                                    <p:set>
-                                      <p:cBhvr>
-                                        <p:cTn id="16" dur="1" fill="hold">
-                                          <p:stCondLst>
-                                            <p:cond delay="0"/>
-                                          </p:stCondLst>
-                                        </p:cTn>
-                                        <p:tgtEl>
-                                          <p:spTgt spid="8"/>
-                                        </p:tgtEl>
-                                        <p:attrNameLst>
-                                          <p:attrName>style.visibility</p:attrName>
-                                        </p:attrNameLst>
-                                      </p:cBhvr>
-                                      <p:to>
-                                        <p:strVal val="visible"/>
-                                      </p:to>
-                                    </p:set>
-                                    <p:animEffect transition="in" filter="fade">
-                                      <p:cBhvr>
-                                        <p:cTn id="17" dur="500"/>
-                                        <p:tgtEl>
-                                          <p:spTgt spid="8"/>
-                                        </p:tgtEl>
-                                      </p:cBhvr>
-                                    </p:animEffect>
-                                  </p:childTnLst>
-                                </p:cTn>
-                              </p:par>
-                            </p:childTnLst>
-                          </p:cTn>
-                        </p:par>
-                      </p:childTnLst>
-                    </p:cTn>
-                  </p:par>
-                  <p:par>
-                    <p:cTn id="18" fill="hold">
-                      <p:stCondLst>
-                        <p:cond delay="indefinite"/>
-                      </p:stCondLst>
-                      <p:childTnLst>
-                        <p:par>
-                          <p:cTn id="19" fill="hold">
-                            <p:stCondLst>
-                              <p:cond delay="0"/>
-                            </p:stCondLst>
-                            <p:childTnLst>
-                              <p:par>
-                                <p:cTn id="20" presetID="10" presetClass="entr" presetSubtype="0" fill="hold" nodeType="clickEffect">
-                                  <p:stCondLst>
-                                    <p:cond delay="0"/>
-                                  </p:stCondLst>
-                                  <p:childTnLst>
-                                    <p:set>
-                                      <p:cBhvr>
-                                        <p:cTn id="21" dur="1" fill="hold">
-                                          <p:stCondLst>
-                                            <p:cond delay="0"/>
-                                          </p:stCondLst>
-                                        </p:cTn>
-                                        <p:tgtEl>
-                                          <p:spTgt spid="7"/>
-                                        </p:tgtEl>
-                                        <p:attrNameLst>
-                                          <p:attrName>style.visibility</p:attrName>
-                                        </p:attrNameLst>
-                                      </p:cBhvr>
-                                      <p:to>
-                                        <p:strVal val="visible"/>
-                                      </p:to>
-                                    </p:set>
-                                    <p:animEffect transition="in" filter="fade">
-                                      <p:cBhvr>
-                                        <p:cTn id="22" dur="500"/>
-                                        <p:tgtEl>
-                                          <p:spTgt spid="7"/>
-                                        </p:tgtEl>
-                                      </p:cBhvr>
-                                    </p:animEffect>
-                                  </p:childTnLst>
-                                </p:cTn>
-                              </p:par>
-                            </p:childTnLst>
-                          </p:cTn>
-                        </p:par>
-                      </p:childTnLst>
-                    </p:cTn>
-                  </p:par>
-                </p:childTnLst>
-              </p:cTn>
-              <p:prevCondLst>
-                <p:cond evt="onPrev" delay="0">
-                  <p:tgtEl>
-                    <p:sldTgt/>
-                  </p:tgtEl>
-                </p:cond>
-              </p:prevCondLst>
-              <p:nextCondLst>
-                <p:cond evt="onNext" delay="0">
-                  <p:tgtEl>
-                    <p:sldTgt/>
-                  </p:tgtEl>
-                </p:cond>
-              </p:nextCondLst>
-            </p:seq>
-          </p:childTnLst>
-        </p:cTn>
-      </p:par>
-    </p:tnLst>
-  </p:timing>
 </p:sld>
 </file>
 
@@ -7426,13 +6820,6 @@
   <p:clrMapOvr>
     <a:masterClrMapping/>
   </p:clrMapOvr>
-  <p:timing>
-    <p:tnLst>
-      <p:par>
-        <p:cTn id="1" dur="indefinite" restart="never" nodeType="tmRoot"/>
-      </p:par>
-    </p:tnLst>
-  </p:timing>
 </p:sld>
 </file>
 
@@ -7504,13 +6891,6 @@
   <p:clrMapOvr>
     <a:masterClrMapping/>
   </p:clrMapOvr>
-  <p:timing>
-    <p:tnLst>
-      <p:par>
-        <p:cTn id="1" dur="indefinite" restart="never" nodeType="tmRoot"/>
-      </p:par>
-    </p:tnLst>
-  </p:timing>
 </p:sld>
 </file>
 

--- a/Project/Presentatie_En_UI/StartPresentatieXeroderma.pptx
+++ b/Project/Presentatie_En_UI/StartPresentatieXeroderma.pptx
@@ -9,9 +9,15 @@
     <p:sldId id="257" r:id="rId3"/>
     <p:sldId id="258" r:id="rId4"/>
     <p:sldId id="259" r:id="rId5"/>
-    <p:sldId id="262" r:id="rId6"/>
-    <p:sldId id="260" r:id="rId7"/>
-    <p:sldId id="261" r:id="rId8"/>
+    <p:sldId id="266" r:id="rId6"/>
+    <p:sldId id="262" r:id="rId7"/>
+    <p:sldId id="260" r:id="rId8"/>
+    <p:sldId id="263" r:id="rId9"/>
+    <p:sldId id="267" r:id="rId10"/>
+    <p:sldId id="261" r:id="rId11"/>
+    <p:sldId id="265" r:id="rId12"/>
+    <p:sldId id="264" r:id="rId13"/>
+    <p:sldId id="268" r:id="rId14"/>
   </p:sldIdLst>
   <p:sldSz cx="9144000" cy="6858000" type="screen4x3"/>
   <p:notesSz cx="6858000" cy="9144000"/>
@@ -923,7 +929,7 @@
           <a:p>
             <a:fld id="{64FDF03E-E666-4A90-9939-2FA1FF16EC04}" type="datetimeFigureOut">
               <a:rPr lang="nl-NL" smtClean="0"/>
-              <a:t>18-11-2016</a:t>
+              <a:t>21-11-2016</a:t>
             </a:fld>
             <a:endParaRPr lang="nl-NL"/>
           </a:p>
@@ -965,7 +971,7 @@
           <a:p>
             <a:fld id="{4E409D6E-2D0C-4DC2-A568-8E1FCC35FD3C}" type="slidenum">
               <a:rPr lang="nl-NL" smtClean="0"/>
-              <a:t>‹nr.›</a:t>
+              <a:t>‹#›</a:t>
             </a:fld>
             <a:endParaRPr lang="nl-NL"/>
           </a:p>
@@ -1174,7 +1180,7 @@
           <a:p>
             <a:fld id="{64FDF03E-E666-4A90-9939-2FA1FF16EC04}" type="datetimeFigureOut">
               <a:rPr lang="nl-NL" smtClean="0"/>
-              <a:t>18-11-2016</a:t>
+              <a:t>21-11-2016</a:t>
             </a:fld>
             <a:endParaRPr lang="nl-NL"/>
           </a:p>
@@ -1216,7 +1222,7 @@
           <a:p>
             <a:fld id="{4E409D6E-2D0C-4DC2-A568-8E1FCC35FD3C}" type="slidenum">
               <a:rPr lang="nl-NL" smtClean="0"/>
-              <a:t>‹nr.›</a:t>
+              <a:t>‹#›</a:t>
             </a:fld>
             <a:endParaRPr lang="nl-NL"/>
           </a:p>
@@ -1488,7 +1494,7 @@
           <a:p>
             <a:fld id="{64FDF03E-E666-4A90-9939-2FA1FF16EC04}" type="datetimeFigureOut">
               <a:rPr lang="nl-NL" smtClean="0"/>
-              <a:t>18-11-2016</a:t>
+              <a:t>21-11-2016</a:t>
             </a:fld>
             <a:endParaRPr lang="nl-NL"/>
           </a:p>
@@ -1530,7 +1536,7 @@
           <a:p>
             <a:fld id="{4E409D6E-2D0C-4DC2-A568-8E1FCC35FD3C}" type="slidenum">
               <a:rPr lang="nl-NL" smtClean="0"/>
-              <a:t>‹nr.›</a:t>
+              <a:t>‹#›</a:t>
             </a:fld>
             <a:endParaRPr lang="nl-NL"/>
           </a:p>
@@ -1821,7 +1827,7 @@
           <a:p>
             <a:fld id="{64FDF03E-E666-4A90-9939-2FA1FF16EC04}" type="datetimeFigureOut">
               <a:rPr lang="nl-NL" smtClean="0"/>
-              <a:t>18-11-2016</a:t>
+              <a:t>21-11-2016</a:t>
             </a:fld>
             <a:endParaRPr lang="nl-NL"/>
           </a:p>
@@ -1863,7 +1869,7 @@
           <a:p>
             <a:fld id="{4E409D6E-2D0C-4DC2-A568-8E1FCC35FD3C}" type="slidenum">
               <a:rPr lang="nl-NL" smtClean="0"/>
-              <a:t>‹nr.›</a:t>
+              <a:t>‹#›</a:t>
             </a:fld>
             <a:endParaRPr lang="nl-NL"/>
           </a:p>
@@ -2135,7 +2141,7 @@
           <a:p>
             <a:fld id="{64FDF03E-E666-4A90-9939-2FA1FF16EC04}" type="datetimeFigureOut">
               <a:rPr lang="nl-NL" smtClean="0"/>
-              <a:t>18-11-2016</a:t>
+              <a:t>21-11-2016</a:t>
             </a:fld>
             <a:endParaRPr lang="nl-NL"/>
           </a:p>
@@ -2177,7 +2183,7 @@
           <a:p>
             <a:fld id="{4E409D6E-2D0C-4DC2-A568-8E1FCC35FD3C}" type="slidenum">
               <a:rPr lang="nl-NL" smtClean="0"/>
-              <a:t>‹nr.›</a:t>
+              <a:t>‹#›</a:t>
             </a:fld>
             <a:endParaRPr lang="nl-NL"/>
           </a:p>
@@ -2528,7 +2534,7 @@
           <a:p>
             <a:fld id="{64FDF03E-E666-4A90-9939-2FA1FF16EC04}" type="datetimeFigureOut">
               <a:rPr lang="nl-NL" smtClean="0"/>
-              <a:t>18-11-2016</a:t>
+              <a:t>21-11-2016</a:t>
             </a:fld>
             <a:endParaRPr lang="nl-NL"/>
           </a:p>
@@ -2570,7 +2576,7 @@
           <a:p>
             <a:fld id="{4E409D6E-2D0C-4DC2-A568-8E1FCC35FD3C}" type="slidenum">
               <a:rPr lang="nl-NL" smtClean="0"/>
-              <a:t>‹nr.›</a:t>
+              <a:t>‹#›</a:t>
             </a:fld>
             <a:endParaRPr lang="nl-NL"/>
           </a:p>
@@ -2698,7 +2704,7 @@
           <a:p>
             <a:fld id="{64FDF03E-E666-4A90-9939-2FA1FF16EC04}" type="datetimeFigureOut">
               <a:rPr lang="nl-NL" smtClean="0"/>
-              <a:t>18-11-2016</a:t>
+              <a:t>21-11-2016</a:t>
             </a:fld>
             <a:endParaRPr lang="nl-NL"/>
           </a:p>
@@ -2740,7 +2746,7 @@
           <a:p>
             <a:fld id="{4E409D6E-2D0C-4DC2-A568-8E1FCC35FD3C}" type="slidenum">
               <a:rPr lang="nl-NL" smtClean="0"/>
-              <a:t>‹nr.›</a:t>
+              <a:t>‹#›</a:t>
             </a:fld>
             <a:endParaRPr lang="nl-NL"/>
           </a:p>
@@ -2878,7 +2884,7 @@
           <a:p>
             <a:fld id="{64FDF03E-E666-4A90-9939-2FA1FF16EC04}" type="datetimeFigureOut">
               <a:rPr lang="nl-NL" smtClean="0"/>
-              <a:t>18-11-2016</a:t>
+              <a:t>21-11-2016</a:t>
             </a:fld>
             <a:endParaRPr lang="nl-NL"/>
           </a:p>
@@ -2920,7 +2926,7 @@
           <a:p>
             <a:fld id="{4E409D6E-2D0C-4DC2-A568-8E1FCC35FD3C}" type="slidenum">
               <a:rPr lang="nl-NL" smtClean="0"/>
-              <a:t>‹nr.›</a:t>
+              <a:t>‹#›</a:t>
             </a:fld>
             <a:endParaRPr lang="nl-NL"/>
           </a:p>
@@ -3048,7 +3054,7 @@
           <a:p>
             <a:fld id="{64FDF03E-E666-4A90-9939-2FA1FF16EC04}" type="datetimeFigureOut">
               <a:rPr lang="nl-NL" smtClean="0"/>
-              <a:t>18-11-2016</a:t>
+              <a:t>21-11-2016</a:t>
             </a:fld>
             <a:endParaRPr lang="nl-NL"/>
           </a:p>
@@ -3090,7 +3096,7 @@
           <a:p>
             <a:fld id="{4E409D6E-2D0C-4DC2-A568-8E1FCC35FD3C}" type="slidenum">
               <a:rPr lang="nl-NL" smtClean="0"/>
-              <a:t>‹nr.›</a:t>
+              <a:t>‹#›</a:t>
             </a:fld>
             <a:endParaRPr lang="nl-NL"/>
           </a:p>
@@ -3295,7 +3301,7 @@
           <a:p>
             <a:fld id="{64FDF03E-E666-4A90-9939-2FA1FF16EC04}" type="datetimeFigureOut">
               <a:rPr lang="nl-NL" smtClean="0"/>
-              <a:t>18-11-2016</a:t>
+              <a:t>21-11-2016</a:t>
             </a:fld>
             <a:endParaRPr lang="nl-NL"/>
           </a:p>
@@ -3337,7 +3343,7 @@
           <a:p>
             <a:fld id="{4E409D6E-2D0C-4DC2-A568-8E1FCC35FD3C}" type="slidenum">
               <a:rPr lang="nl-NL" smtClean="0"/>
-              <a:t>‹nr.›</a:t>
+              <a:t>‹#›</a:t>
             </a:fld>
             <a:endParaRPr lang="nl-NL"/>
           </a:p>
@@ -3592,7 +3598,7 @@
           <a:p>
             <a:fld id="{64FDF03E-E666-4A90-9939-2FA1FF16EC04}" type="datetimeFigureOut">
               <a:rPr lang="nl-NL" smtClean="0"/>
-              <a:t>18-11-2016</a:t>
+              <a:t>21-11-2016</a:t>
             </a:fld>
             <a:endParaRPr lang="nl-NL"/>
           </a:p>
@@ -3634,7 +3640,7 @@
           <a:p>
             <a:fld id="{4E409D6E-2D0C-4DC2-A568-8E1FCC35FD3C}" type="slidenum">
               <a:rPr lang="nl-NL" smtClean="0"/>
-              <a:t>‹nr.›</a:t>
+              <a:t>‹#›</a:t>
             </a:fld>
             <a:endParaRPr lang="nl-NL"/>
           </a:p>
@@ -3971,7 +3977,7 @@
           <a:p>
             <a:fld id="{64FDF03E-E666-4A90-9939-2FA1FF16EC04}" type="datetimeFigureOut">
               <a:rPr lang="nl-NL" smtClean="0"/>
-              <a:t>18-11-2016</a:t>
+              <a:t>21-11-2016</a:t>
             </a:fld>
             <a:endParaRPr lang="nl-NL"/>
           </a:p>
@@ -4013,7 +4019,7 @@
           <a:p>
             <a:fld id="{4E409D6E-2D0C-4DC2-A568-8E1FCC35FD3C}" type="slidenum">
               <a:rPr lang="nl-NL" smtClean="0"/>
-              <a:t>‹nr.›</a:t>
+              <a:t>‹#›</a:t>
             </a:fld>
             <a:endParaRPr lang="nl-NL"/>
           </a:p>
@@ -4094,7 +4100,7 @@
           <a:p>
             <a:fld id="{64FDF03E-E666-4A90-9939-2FA1FF16EC04}" type="datetimeFigureOut">
               <a:rPr lang="nl-NL" smtClean="0"/>
-              <a:t>18-11-2016</a:t>
+              <a:t>21-11-2016</a:t>
             </a:fld>
             <a:endParaRPr lang="nl-NL"/>
           </a:p>
@@ -4136,7 +4142,7 @@
           <a:p>
             <a:fld id="{4E409D6E-2D0C-4DC2-A568-8E1FCC35FD3C}" type="slidenum">
               <a:rPr lang="nl-NL" smtClean="0"/>
-              <a:t>‹nr.›</a:t>
+              <a:t>‹#›</a:t>
             </a:fld>
             <a:endParaRPr lang="nl-NL"/>
           </a:p>
@@ -4189,7 +4195,7 @@
           <a:p>
             <a:fld id="{64FDF03E-E666-4A90-9939-2FA1FF16EC04}" type="datetimeFigureOut">
               <a:rPr lang="nl-NL" smtClean="0"/>
-              <a:t>18-11-2016</a:t>
+              <a:t>21-11-2016</a:t>
             </a:fld>
             <a:endParaRPr lang="nl-NL"/>
           </a:p>
@@ -4231,7 +4237,7 @@
           <a:p>
             <a:fld id="{4E409D6E-2D0C-4DC2-A568-8E1FCC35FD3C}" type="slidenum">
               <a:rPr lang="nl-NL" smtClean="0"/>
-              <a:t>‹nr.›</a:t>
+              <a:t>‹#›</a:t>
             </a:fld>
             <a:endParaRPr lang="nl-NL"/>
           </a:p>
@@ -4444,7 +4450,7 @@
           <a:p>
             <a:fld id="{64FDF03E-E666-4A90-9939-2FA1FF16EC04}" type="datetimeFigureOut">
               <a:rPr lang="nl-NL" smtClean="0"/>
-              <a:t>18-11-2016</a:t>
+              <a:t>21-11-2016</a:t>
             </a:fld>
             <a:endParaRPr lang="nl-NL"/>
           </a:p>
@@ -4486,7 +4492,7 @@
           <a:p>
             <a:fld id="{4E409D6E-2D0C-4DC2-A568-8E1FCC35FD3C}" type="slidenum">
               <a:rPr lang="nl-NL" smtClean="0"/>
-              <a:t>‹nr.›</a:t>
+              <a:t>‹#›</a:t>
             </a:fld>
             <a:endParaRPr lang="nl-NL"/>
           </a:p>
@@ -4707,7 +4713,7 @@
           <a:p>
             <a:fld id="{64FDF03E-E666-4A90-9939-2FA1FF16EC04}" type="datetimeFigureOut">
               <a:rPr lang="nl-NL" smtClean="0"/>
-              <a:t>18-11-2016</a:t>
+              <a:t>21-11-2016</a:t>
             </a:fld>
             <a:endParaRPr lang="nl-NL"/>
           </a:p>
@@ -4749,7 +4755,7 @@
           <a:p>
             <a:fld id="{4E409D6E-2D0C-4DC2-A568-8E1FCC35FD3C}" type="slidenum">
               <a:rPr lang="nl-NL" smtClean="0"/>
-              <a:t>‹nr.›</a:t>
+              <a:t>‹#›</a:t>
             </a:fld>
             <a:endParaRPr lang="nl-NL"/>
           </a:p>
@@ -5521,7 +5527,7 @@
           <a:p>
             <a:fld id="{64FDF03E-E666-4A90-9939-2FA1FF16EC04}" type="datetimeFigureOut">
               <a:rPr lang="nl-NL" smtClean="0"/>
-              <a:t>18-11-2016</a:t>
+              <a:t>21-11-2016</a:t>
             </a:fld>
             <a:endParaRPr lang="nl-NL"/>
           </a:p>
@@ -5597,7 +5603,7 @@
           <a:p>
             <a:fld id="{4E409D6E-2D0C-4DC2-A568-8E1FCC35FD3C}" type="slidenum">
               <a:rPr lang="nl-NL" smtClean="0"/>
-              <a:t>‹nr.›</a:t>
+              <a:t>‹#›</a:t>
             </a:fld>
             <a:endParaRPr lang="nl-NL"/>
           </a:p>
@@ -6098,13 +6104,708 @@
   <p:clrMapOvr>
     <a:masterClrMapping/>
   </p:clrMapOvr>
-  <p:timing>
-    <p:tnLst>
-      <p:par>
-        <p:cTn id="1" dur="indefinite" restart="never" nodeType="tmRoot"/>
-      </p:par>
-    </p:tnLst>
-  </p:timing>
+</p:sld>
+</file>
+
+<file path=ppt/slides/slide10.xml><?xml version="1.0" encoding="utf-8"?>
+<p:sld xmlns:a="http://schemas.openxmlformats.org/drawingml/2006/main" xmlns:r="http://schemas.openxmlformats.org/officeDocument/2006/relationships" xmlns:p="http://schemas.openxmlformats.org/presentationml/2006/main">
+  <p:cSld>
+    <p:spTree>
+      <p:nvGrpSpPr>
+        <p:cNvPr id="1" name=""/>
+        <p:cNvGrpSpPr/>
+        <p:nvPr/>
+      </p:nvGrpSpPr>
+      <p:grpSpPr>
+        <a:xfrm>
+          <a:off x="0" y="0"/>
+          <a:ext cx="0" cy="0"/>
+          <a:chOff x="0" y="0"/>
+          <a:chExt cx="0" cy="0"/>
+        </a:xfrm>
+      </p:grpSpPr>
+      <p:pic>
+        <p:nvPicPr>
+          <p:cNvPr id="4" name="Content Placeholder 3"/>
+          <p:cNvPicPr>
+            <a:picLocks noGrp="1" noChangeAspect="1"/>
+          </p:cNvPicPr>
+          <p:nvPr>
+            <p:ph idx="1"/>
+          </p:nvPr>
+        </p:nvPicPr>
+        <p:blipFill>
+          <a:blip r:embed="rId2" cstate="print">
+            <a:extLst>
+              <a:ext uri="{28A0092B-C50C-407E-A947-70E740481C1C}">
+                <a14:useLocalDpi xmlns:a14="http://schemas.microsoft.com/office/drawing/2010/main" val="0"/>
+              </a:ext>
+            </a:extLst>
+          </a:blip>
+          <a:stretch>
+            <a:fillRect/>
+          </a:stretch>
+        </p:blipFill>
+        <p:spPr>
+          <a:xfrm>
+            <a:off x="601362" y="1219200"/>
+            <a:ext cx="5760874" cy="3103070"/>
+          </a:xfrm>
+          <a:prstGeom prst="rect">
+            <a:avLst/>
+          </a:prstGeom>
+          <a:ln>
+            <a:noFill/>
+          </a:ln>
+          <a:effectLst>
+            <a:outerShdw blurRad="292100" dist="139700" dir="2700000" algn="tl" rotWithShape="0">
+              <a:srgbClr val="333333">
+                <a:alpha val="65000"/>
+              </a:srgbClr>
+            </a:outerShdw>
+          </a:effectLst>
+        </p:spPr>
+      </p:pic>
+      <p:pic>
+        <p:nvPicPr>
+          <p:cNvPr id="5" name="Picture 4"/>
+          <p:cNvPicPr>
+            <a:picLocks noChangeAspect="1"/>
+          </p:cNvPicPr>
+          <p:nvPr/>
+        </p:nvPicPr>
+        <p:blipFill rotWithShape="1">
+          <a:blip r:embed="rId3" cstate="print">
+            <a:extLst>
+              <a:ext uri="{BEBA8EAE-BF5A-486C-A8C5-ECC9F3942E4B}">
+                <a14:imgProps xmlns:a14="http://schemas.microsoft.com/office/drawing/2010/main">
+                  <a14:imgLayer r:embed="rId4">
+                    <a14:imgEffect>
+                      <a14:saturation sat="0"/>
+                    </a14:imgEffect>
+                  </a14:imgLayer>
+                </a14:imgProps>
+              </a:ext>
+              <a:ext uri="{28A0092B-C50C-407E-A947-70E740481C1C}">
+                <a14:useLocalDpi xmlns:a14="http://schemas.microsoft.com/office/drawing/2010/main" val="0"/>
+              </a:ext>
+            </a:extLst>
+          </a:blip>
+          <a:srcRect b="43013"/>
+          <a:stretch/>
+        </p:blipFill>
+        <p:spPr>
+          <a:xfrm>
+            <a:off x="601363" y="4831988"/>
+            <a:ext cx="5570838" cy="1869400"/>
+          </a:xfrm>
+          <a:prstGeom prst="rect">
+            <a:avLst/>
+          </a:prstGeom>
+          <a:ln>
+            <a:noFill/>
+          </a:ln>
+          <a:effectLst>
+            <a:outerShdw blurRad="292100" dist="139700" dir="2700000" algn="tl" rotWithShape="0">
+              <a:srgbClr val="333333">
+                <a:alpha val="65000"/>
+              </a:srgbClr>
+            </a:outerShdw>
+          </a:effectLst>
+        </p:spPr>
+      </p:pic>
+      <p:sp>
+        <p:nvSpPr>
+          <p:cNvPr id="6" name="TextBox 5"/>
+          <p:cNvSpPr txBox="1"/>
+          <p:nvPr/>
+        </p:nvSpPr>
+        <p:spPr>
+          <a:xfrm>
+            <a:off x="513608" y="4397291"/>
+            <a:ext cx="4331846" cy="646331"/>
+          </a:xfrm>
+          <a:prstGeom prst="rect">
+            <a:avLst/>
+          </a:prstGeom>
+          <a:noFill/>
+        </p:spPr>
+        <p:txBody>
+          <a:bodyPr wrap="square" rtlCol="0">
+            <a:spAutoFit/>
+          </a:bodyPr>
+          <a:lstStyle/>
+          <a:p>
+            <a:r>
+              <a:rPr lang="en-US" dirty="0"/>
+              <a:t>Level Layout concept</a:t>
+            </a:r>
+          </a:p>
+          <a:p>
+            <a:endParaRPr lang="nl-NL" dirty="0"/>
+          </a:p>
+        </p:txBody>
+      </p:sp>
+      <p:sp>
+        <p:nvSpPr>
+          <p:cNvPr id="8" name="TextBox 7"/>
+          <p:cNvSpPr txBox="1"/>
+          <p:nvPr/>
+        </p:nvSpPr>
+        <p:spPr>
+          <a:xfrm>
+            <a:off x="536262" y="815891"/>
+            <a:ext cx="4331846" cy="923330"/>
+          </a:xfrm>
+          <a:prstGeom prst="rect">
+            <a:avLst/>
+          </a:prstGeom>
+          <a:noFill/>
+        </p:spPr>
+        <p:txBody>
+          <a:bodyPr wrap="square" rtlCol="0">
+            <a:spAutoFit/>
+          </a:bodyPr>
+          <a:lstStyle/>
+          <a:p>
+            <a:r>
+              <a:rPr lang="en-US" dirty="0"/>
+              <a:t>Underground concept art</a:t>
+            </a:r>
+          </a:p>
+          <a:p>
+            <a:endParaRPr lang="en-US" dirty="0"/>
+          </a:p>
+          <a:p>
+            <a:endParaRPr lang="nl-NL" dirty="0"/>
+          </a:p>
+        </p:txBody>
+      </p:sp>
+      <p:sp>
+        <p:nvSpPr>
+          <p:cNvPr id="9" name="Title 1"/>
+          <p:cNvSpPr>
+            <a:spLocks noGrp="1"/>
+          </p:cNvSpPr>
+          <p:nvPr>
+            <p:ph type="title"/>
+          </p:nvPr>
+        </p:nvSpPr>
+        <p:spPr>
+          <a:xfrm>
+            <a:off x="601362" y="165613"/>
+            <a:ext cx="6347713" cy="1320800"/>
+          </a:xfrm>
+        </p:spPr>
+        <p:txBody>
+          <a:bodyPr/>
+          <a:lstStyle/>
+          <a:p>
+            <a:r>
+              <a:rPr lang="en-US" u="sng" dirty="0"/>
+              <a:t>Concept art</a:t>
+            </a:r>
+            <a:br>
+              <a:rPr lang="en-US" dirty="0"/>
+            </a:br>
+            <a:endParaRPr lang="nl-NL" dirty="0"/>
+          </a:p>
+        </p:txBody>
+      </p:sp>
+    </p:spTree>
+    <p:extLst>
+      <p:ext uri="{BB962C8B-B14F-4D97-AF65-F5344CB8AC3E}">
+        <p14:creationId xmlns:p14="http://schemas.microsoft.com/office/powerpoint/2010/main" val="45716843"/>
+      </p:ext>
+    </p:extLst>
+  </p:cSld>
+  <p:clrMapOvr>
+    <a:masterClrMapping/>
+  </p:clrMapOvr>
+</p:sld>
+</file>
+
+<file path=ppt/slides/slide11.xml><?xml version="1.0" encoding="utf-8"?>
+<p:sld xmlns:a="http://schemas.openxmlformats.org/drawingml/2006/main" xmlns:r="http://schemas.openxmlformats.org/officeDocument/2006/relationships" xmlns:p="http://schemas.openxmlformats.org/presentationml/2006/main">
+  <p:cSld>
+    <p:spTree>
+      <p:nvGrpSpPr>
+        <p:cNvPr id="1" name=""/>
+        <p:cNvGrpSpPr/>
+        <p:nvPr/>
+      </p:nvGrpSpPr>
+      <p:grpSpPr>
+        <a:xfrm>
+          <a:off x="0" y="0"/>
+          <a:ext cx="0" cy="0"/>
+          <a:chOff x="0" y="0"/>
+          <a:chExt cx="0" cy="0"/>
+        </a:xfrm>
+      </p:grpSpPr>
+      <p:sp>
+        <p:nvSpPr>
+          <p:cNvPr id="2" name="Title 1"/>
+          <p:cNvSpPr>
+            <a:spLocks noGrp="1"/>
+          </p:cNvSpPr>
+          <p:nvPr>
+            <p:ph type="title"/>
+          </p:nvPr>
+        </p:nvSpPr>
+        <p:spPr/>
+        <p:txBody>
+          <a:bodyPr/>
+          <a:lstStyle/>
+          <a:p>
+            <a:r>
+              <a:rPr lang="en-US" dirty="0" err="1"/>
+              <a:t>Uitwerking</a:t>
+            </a:r>
+            <a:r>
+              <a:rPr lang="en-US" dirty="0"/>
+              <a:t> concept art</a:t>
+            </a:r>
+            <a:endParaRPr lang="nl-NL" dirty="0"/>
+          </a:p>
+        </p:txBody>
+      </p:sp>
+      <p:pic>
+        <p:nvPicPr>
+          <p:cNvPr id="8" name="Content Placeholder 7"/>
+          <p:cNvPicPr>
+            <a:picLocks noGrp="1" noChangeAspect="1"/>
+          </p:cNvPicPr>
+          <p:nvPr>
+            <p:ph idx="1"/>
+          </p:nvPr>
+        </p:nvPicPr>
+        <p:blipFill rotWithShape="1">
+          <a:blip r:embed="rId2" cstate="print">
+            <a:extLst>
+              <a:ext uri="{28A0092B-C50C-407E-A947-70E740481C1C}">
+                <a14:useLocalDpi xmlns:a14="http://schemas.microsoft.com/office/drawing/2010/main" val="0"/>
+              </a:ext>
+            </a:extLst>
+          </a:blip>
+          <a:srcRect t="13953" b="8542"/>
+          <a:stretch/>
+        </p:blipFill>
+        <p:spPr>
+          <a:xfrm>
+            <a:off x="659255" y="1371600"/>
+            <a:ext cx="6248399" cy="2724059"/>
+          </a:xfrm>
+        </p:spPr>
+      </p:pic>
+    </p:spTree>
+    <p:extLst>
+      <p:ext uri="{BB962C8B-B14F-4D97-AF65-F5344CB8AC3E}">
+        <p14:creationId xmlns:p14="http://schemas.microsoft.com/office/powerpoint/2010/main" val="2345114859"/>
+      </p:ext>
+    </p:extLst>
+  </p:cSld>
+  <p:clrMapOvr>
+    <a:masterClrMapping/>
+  </p:clrMapOvr>
+</p:sld>
+</file>
+
+<file path=ppt/slides/slide12.xml><?xml version="1.0" encoding="utf-8"?>
+<p:sld xmlns:a="http://schemas.openxmlformats.org/drawingml/2006/main" xmlns:r="http://schemas.openxmlformats.org/officeDocument/2006/relationships" xmlns:p="http://schemas.openxmlformats.org/presentationml/2006/main">
+  <p:cSld>
+    <p:spTree>
+      <p:nvGrpSpPr>
+        <p:cNvPr id="1" name=""/>
+        <p:cNvGrpSpPr/>
+        <p:nvPr/>
+      </p:nvGrpSpPr>
+      <p:grpSpPr>
+        <a:xfrm>
+          <a:off x="0" y="0"/>
+          <a:ext cx="0" cy="0"/>
+          <a:chOff x="0" y="0"/>
+          <a:chExt cx="0" cy="0"/>
+        </a:xfrm>
+      </p:grpSpPr>
+      <p:sp>
+        <p:nvSpPr>
+          <p:cNvPr id="2" name="Title 1"/>
+          <p:cNvSpPr>
+            <a:spLocks noGrp="1"/>
+          </p:cNvSpPr>
+          <p:nvPr>
+            <p:ph type="title"/>
+          </p:nvPr>
+        </p:nvSpPr>
+        <p:spPr>
+          <a:xfrm>
+            <a:off x="990600" y="307111"/>
+            <a:ext cx="6347713" cy="1320800"/>
+          </a:xfrm>
+        </p:spPr>
+        <p:txBody>
+          <a:bodyPr/>
+          <a:lstStyle/>
+          <a:p>
+            <a:r>
+              <a:rPr lang="en-US" dirty="0"/>
+              <a:t>Character art</a:t>
+            </a:r>
+            <a:br>
+              <a:rPr lang="en-US" dirty="0"/>
+            </a:br>
+            <a:endParaRPr lang="nl-NL" dirty="0"/>
+          </a:p>
+        </p:txBody>
+      </p:sp>
+      <p:sp>
+        <p:nvSpPr>
+          <p:cNvPr id="3" name="Content Placeholder 2"/>
+          <p:cNvSpPr>
+            <a:spLocks noGrp="1"/>
+          </p:cNvSpPr>
+          <p:nvPr>
+            <p:ph idx="1"/>
+          </p:nvPr>
+        </p:nvSpPr>
+        <p:spPr>
+          <a:xfrm>
+            <a:off x="609600" y="884440"/>
+            <a:ext cx="6347714" cy="3880773"/>
+          </a:xfrm>
+        </p:spPr>
+        <p:txBody>
+          <a:bodyPr/>
+          <a:lstStyle/>
+          <a:p>
+            <a:r>
+              <a:rPr lang="en-US" dirty="0"/>
+              <a:t>Vampires </a:t>
+            </a:r>
+            <a:r>
+              <a:rPr lang="en-US" dirty="0" err="1"/>
+              <a:t>en</a:t>
+            </a:r>
+            <a:r>
+              <a:rPr lang="en-US" dirty="0"/>
+              <a:t> humans</a:t>
+            </a:r>
+            <a:endParaRPr lang="nl-NL" dirty="0"/>
+          </a:p>
+        </p:txBody>
+      </p:sp>
+      <p:pic>
+        <p:nvPicPr>
+          <p:cNvPr id="4" name="Picture 3"/>
+          <p:cNvPicPr>
+            <a:picLocks noChangeAspect="1"/>
+          </p:cNvPicPr>
+          <p:nvPr/>
+        </p:nvPicPr>
+        <p:blipFill rotWithShape="1">
+          <a:blip r:embed="rId2" cstate="print">
+            <a:extLst>
+              <a:ext uri="{28A0092B-C50C-407E-A947-70E740481C1C}">
+                <a14:useLocalDpi xmlns:a14="http://schemas.microsoft.com/office/drawing/2010/main" val="0"/>
+              </a:ext>
+            </a:extLst>
+          </a:blip>
+          <a:srcRect t="6427" b="3766"/>
+          <a:stretch/>
+        </p:blipFill>
+        <p:spPr>
+          <a:xfrm>
+            <a:off x="1066800" y="1294948"/>
+            <a:ext cx="6934200" cy="3502922"/>
+          </a:xfrm>
+          <a:prstGeom prst="rect">
+            <a:avLst/>
+          </a:prstGeom>
+          <a:ln>
+            <a:noFill/>
+          </a:ln>
+          <a:effectLst>
+            <a:outerShdw blurRad="292100" dist="139700" dir="2700000" algn="tl" rotWithShape="0">
+              <a:srgbClr val="333333">
+                <a:alpha val="65000"/>
+              </a:srgbClr>
+            </a:outerShdw>
+          </a:effectLst>
+        </p:spPr>
+      </p:pic>
+      <p:pic>
+        <p:nvPicPr>
+          <p:cNvPr id="6" name="Picture 5"/>
+          <p:cNvPicPr>
+            <a:picLocks noChangeAspect="1"/>
+          </p:cNvPicPr>
+          <p:nvPr/>
+        </p:nvPicPr>
+        <p:blipFill>
+          <a:blip r:embed="rId3">
+            <a:extLst>
+              <a:ext uri="{BEBA8EAE-BF5A-486C-A8C5-ECC9F3942E4B}">
+                <a14:imgProps xmlns:a14="http://schemas.microsoft.com/office/drawing/2010/main">
+                  <a14:imgLayer r:embed="rId4">
+                    <a14:imgEffect>
+                      <a14:saturation sat="0"/>
+                    </a14:imgEffect>
+                  </a14:imgLayer>
+                </a14:imgProps>
+              </a:ext>
+            </a:extLst>
+          </a:blip>
+          <a:stretch>
+            <a:fillRect/>
+          </a:stretch>
+        </p:blipFill>
+        <p:spPr>
+          <a:xfrm>
+            <a:off x="6096000" y="5026436"/>
+            <a:ext cx="1459273" cy="1453227"/>
+          </a:xfrm>
+          <a:prstGeom prst="rect">
+            <a:avLst/>
+          </a:prstGeom>
+        </p:spPr>
+      </p:pic>
+      <p:pic>
+        <p:nvPicPr>
+          <p:cNvPr id="7" name="Picture 6"/>
+          <p:cNvPicPr>
+            <a:picLocks noChangeAspect="1"/>
+          </p:cNvPicPr>
+          <p:nvPr/>
+        </p:nvPicPr>
+        <p:blipFill>
+          <a:blip r:embed="rId5">
+            <a:extLst>
+              <a:ext uri="{BEBA8EAE-BF5A-486C-A8C5-ECC9F3942E4B}">
+                <a14:imgProps xmlns:a14="http://schemas.microsoft.com/office/drawing/2010/main">
+                  <a14:imgLayer r:embed="rId6">
+                    <a14:imgEffect>
+                      <a14:saturation sat="0"/>
+                    </a14:imgEffect>
+                  </a14:imgLayer>
+                </a14:imgProps>
+              </a:ext>
+            </a:extLst>
+          </a:blip>
+          <a:stretch>
+            <a:fillRect/>
+          </a:stretch>
+        </p:blipFill>
+        <p:spPr>
+          <a:xfrm>
+            <a:off x="3995532" y="5034218"/>
+            <a:ext cx="1479507" cy="1460167"/>
+          </a:xfrm>
+          <a:prstGeom prst="rect">
+            <a:avLst/>
+          </a:prstGeom>
+        </p:spPr>
+      </p:pic>
+      <p:pic>
+        <p:nvPicPr>
+          <p:cNvPr id="8" name="Picture 7"/>
+          <p:cNvPicPr>
+            <a:picLocks noChangeAspect="1"/>
+          </p:cNvPicPr>
+          <p:nvPr/>
+        </p:nvPicPr>
+        <p:blipFill>
+          <a:blip r:embed="rId7">
+            <a:extLst>
+              <a:ext uri="{BEBA8EAE-BF5A-486C-A8C5-ECC9F3942E4B}">
+                <a14:imgProps xmlns:a14="http://schemas.microsoft.com/office/drawing/2010/main">
+                  <a14:imgLayer r:embed="rId8">
+                    <a14:imgEffect>
+                      <a14:saturation sat="0"/>
+                    </a14:imgEffect>
+                  </a14:imgLayer>
+                </a14:imgProps>
+              </a:ext>
+            </a:extLst>
+          </a:blip>
+          <a:stretch>
+            <a:fillRect/>
+          </a:stretch>
+        </p:blipFill>
+        <p:spPr>
+          <a:xfrm>
+            <a:off x="1676400" y="4974453"/>
+            <a:ext cx="1524000" cy="1505210"/>
+          </a:xfrm>
+          <a:prstGeom prst="rect">
+            <a:avLst/>
+          </a:prstGeom>
+        </p:spPr>
+      </p:pic>
+    </p:spTree>
+    <p:extLst>
+      <p:ext uri="{BB962C8B-B14F-4D97-AF65-F5344CB8AC3E}">
+        <p14:creationId xmlns:p14="http://schemas.microsoft.com/office/powerpoint/2010/main" val="1441850143"/>
+      </p:ext>
+    </p:extLst>
+  </p:cSld>
+  <p:clrMapOvr>
+    <a:masterClrMapping/>
+  </p:clrMapOvr>
+</p:sld>
+</file>
+
+<file path=ppt/slides/slide13.xml><?xml version="1.0" encoding="utf-8"?>
+<p:sld xmlns:a="http://schemas.openxmlformats.org/drawingml/2006/main" xmlns:r="http://schemas.openxmlformats.org/officeDocument/2006/relationships" xmlns:p="http://schemas.openxmlformats.org/presentationml/2006/main">
+  <p:cSld>
+    <p:spTree>
+      <p:nvGrpSpPr>
+        <p:cNvPr id="1" name=""/>
+        <p:cNvGrpSpPr/>
+        <p:nvPr/>
+      </p:nvGrpSpPr>
+      <p:grpSpPr>
+        <a:xfrm>
+          <a:off x="0" y="0"/>
+          <a:ext cx="0" cy="0"/>
+          <a:chOff x="0" y="0"/>
+          <a:chExt cx="0" cy="0"/>
+        </a:xfrm>
+      </p:grpSpPr>
+      <p:sp>
+        <p:nvSpPr>
+          <p:cNvPr id="2" name="Title 1"/>
+          <p:cNvSpPr>
+            <a:spLocks noGrp="1"/>
+          </p:cNvSpPr>
+          <p:nvPr>
+            <p:ph type="title"/>
+          </p:nvPr>
+        </p:nvSpPr>
+        <p:spPr/>
+        <p:txBody>
+          <a:bodyPr/>
+          <a:lstStyle/>
+          <a:p>
+            <a:r>
+              <a:rPr lang="en-US" dirty="0" err="1"/>
+              <a:t>Realisatie</a:t>
+            </a:r>
+            <a:endParaRPr lang="nl-NL" dirty="0"/>
+          </a:p>
+        </p:txBody>
+      </p:sp>
+      <p:sp>
+        <p:nvSpPr>
+          <p:cNvPr id="3" name="Content Placeholder 2"/>
+          <p:cNvSpPr>
+            <a:spLocks noGrp="1"/>
+          </p:cNvSpPr>
+          <p:nvPr>
+            <p:ph idx="1"/>
+          </p:nvPr>
+        </p:nvSpPr>
+        <p:spPr>
+          <a:xfrm>
+            <a:off x="609599" y="1371600"/>
+            <a:ext cx="6347714" cy="4669763"/>
+          </a:xfrm>
+        </p:spPr>
+        <p:txBody>
+          <a:bodyPr/>
+          <a:lstStyle/>
+          <a:p>
+            <a:r>
+              <a:rPr lang="en-US" dirty="0" err="1"/>
+              <a:t>Voor</a:t>
+            </a:r>
+            <a:r>
+              <a:rPr lang="en-US" dirty="0"/>
+              <a:t> het prototype </a:t>
+            </a:r>
+            <a:r>
+              <a:rPr lang="en-US" dirty="0" err="1"/>
+              <a:t>hebben</a:t>
+            </a:r>
+            <a:r>
+              <a:rPr lang="en-US" dirty="0"/>
+              <a:t> we het tutorial level </a:t>
+            </a:r>
+            <a:r>
+              <a:rPr lang="en-US" dirty="0" err="1"/>
+              <a:t>gemaakt</a:t>
+            </a:r>
+            <a:r>
+              <a:rPr lang="en-US" dirty="0"/>
+              <a:t> </a:t>
+            </a:r>
+            <a:r>
+              <a:rPr lang="en-US" dirty="0" err="1"/>
+              <a:t>en</a:t>
+            </a:r>
+            <a:r>
+              <a:rPr lang="en-US" dirty="0"/>
+              <a:t> </a:t>
+            </a:r>
+            <a:r>
+              <a:rPr lang="en-US" dirty="0" err="1"/>
+              <a:t>een</a:t>
+            </a:r>
+            <a:r>
+              <a:rPr lang="en-US" dirty="0"/>
+              <a:t> </a:t>
+            </a:r>
+            <a:r>
+              <a:rPr lang="en-US" dirty="0" err="1"/>
+              <a:t>groot</a:t>
+            </a:r>
+            <a:r>
+              <a:rPr lang="en-US" dirty="0"/>
+              <a:t> </a:t>
+            </a:r>
+            <a:r>
+              <a:rPr lang="en-US" dirty="0" err="1"/>
+              <a:t>deel</a:t>
+            </a:r>
+            <a:r>
+              <a:rPr lang="en-US" dirty="0"/>
+              <a:t> van de characters </a:t>
+            </a:r>
+            <a:r>
+              <a:rPr lang="en-US" dirty="0" err="1"/>
+              <a:t>zijn</a:t>
+            </a:r>
+            <a:r>
+              <a:rPr lang="en-US" dirty="0"/>
+              <a:t> al </a:t>
+            </a:r>
+            <a:r>
+              <a:rPr lang="en-US" dirty="0" err="1"/>
+              <a:t>af</a:t>
+            </a:r>
+            <a:endParaRPr lang="en-US" dirty="0"/>
+          </a:p>
+          <a:p>
+            <a:endParaRPr lang="en-US" dirty="0"/>
+          </a:p>
+          <a:p>
+            <a:r>
+              <a:rPr lang="en-US" dirty="0"/>
+              <a:t>Demo</a:t>
+            </a:r>
+            <a:endParaRPr lang="nl-NL" dirty="0"/>
+          </a:p>
+        </p:txBody>
+      </p:sp>
+    </p:spTree>
+    <p:extLst>
+      <p:ext uri="{BB962C8B-B14F-4D97-AF65-F5344CB8AC3E}">
+        <p14:creationId xmlns:p14="http://schemas.microsoft.com/office/powerpoint/2010/main" val="3234560635"/>
+      </p:ext>
+    </p:extLst>
+  </p:cSld>
+  <p:clrMapOvr>
+    <a:masterClrMapping/>
+  </p:clrMapOvr>
 </p:sld>
 </file>
 
@@ -6253,11 +6954,7 @@
             </a:r>
             <a:r>
               <a:rPr lang="en-US" sz="2800" dirty="0"/>
-              <a:t>: User </a:t>
-            </a:r>
-            <a:r>
-              <a:rPr lang="en-US" sz="2800" dirty="0" smtClean="0"/>
-              <a:t>experience</a:t>
+              <a:t>: User experience</a:t>
             </a:r>
           </a:p>
           <a:p>
@@ -6269,10 +6966,9 @@
               <a:buChar char="§"/>
             </a:pPr>
             <a:r>
-              <a:rPr lang="en-US" sz="2800" dirty="0" smtClean="0"/>
+              <a:rPr lang="en-US" sz="2800" dirty="0"/>
               <a:t>Jennifer: Planning manager</a:t>
             </a:r>
-            <a:endParaRPr lang="en-US" sz="2800" dirty="0"/>
           </a:p>
           <a:p>
             <a:endParaRPr lang="en-US" dirty="0"/>
@@ -6289,13 +6985,6 @@
   <p:clrMapOvr>
     <a:masterClrMapping/>
   </p:clrMapOvr>
-  <p:timing>
-    <p:tnLst>
-      <p:par>
-        <p:cTn id="1" dur="indefinite" restart="never" nodeType="tmRoot"/>
-      </p:par>
-    </p:tnLst>
-  </p:timing>
 </p:sld>
 </file>
 
@@ -6390,11 +7079,11 @@
               <a:buNone/>
             </a:pPr>
             <a:r>
-              <a:rPr lang="nl-NL" dirty="0" err="1" smtClean="0"/>
+              <a:rPr lang="nl-NL" dirty="0" err="1"/>
               <a:t>Bloodborne</a:t>
             </a:r>
             <a:r>
-              <a:rPr lang="nl-NL" dirty="0" smtClean="0"/>
+              <a:rPr lang="nl-NL" dirty="0"/>
               <a:t>/AC </a:t>
             </a:r>
             <a:r>
@@ -6408,7 +7097,7 @@
               <a:buNone/>
             </a:pPr>
             <a:r>
-              <a:rPr lang="nl-NL" dirty="0" smtClean="0"/>
+              <a:rPr lang="nl-NL" dirty="0"/>
               <a:t>London rond 1850</a:t>
             </a:r>
           </a:p>
@@ -6417,144 +7106,143 @@
               <a:buNone/>
             </a:pPr>
             <a:r>
-              <a:rPr lang="en-US" dirty="0" smtClean="0"/>
+              <a:rPr lang="en-US" dirty="0"/>
               <a:t>[</a:t>
             </a:r>
             <a:r>
-              <a:rPr lang="en-US" dirty="0" err="1" smtClean="0"/>
+              <a:rPr lang="en-US" dirty="0" err="1"/>
               <a:t>Xeroderma</a:t>
             </a:r>
             <a:r>
-              <a:rPr lang="en-US" dirty="0" smtClean="0"/>
+              <a:rPr lang="en-US" dirty="0"/>
               <a:t> is </a:t>
             </a:r>
             <a:r>
-              <a:rPr lang="en-US" dirty="0" err="1" smtClean="0"/>
+              <a:rPr lang="en-US" dirty="0" err="1"/>
               <a:t>een</a:t>
             </a:r>
             <a:r>
-              <a:rPr lang="en-US" dirty="0" smtClean="0"/>
+              <a:rPr lang="en-US" dirty="0"/>
               <a:t> 2.5D </a:t>
             </a:r>
             <a:r>
-              <a:rPr lang="en-US" dirty="0" err="1" smtClean="0"/>
+              <a:rPr lang="en-US" dirty="0" err="1"/>
               <a:t>sidescrolling</a:t>
             </a:r>
             <a:r>
-              <a:rPr lang="en-US" dirty="0" smtClean="0"/>
+              <a:rPr lang="en-US" dirty="0"/>
               <a:t> game </a:t>
             </a:r>
             <a:r>
-              <a:rPr lang="en-US" dirty="0" err="1" smtClean="0"/>
+              <a:rPr lang="en-US" dirty="0" err="1"/>
               <a:t>dat</a:t>
             </a:r>
             <a:r>
-              <a:rPr lang="en-US" dirty="0" smtClean="0"/>
+              <a:rPr lang="en-US" dirty="0"/>
               <a:t> </a:t>
             </a:r>
             <a:r>
-              <a:rPr lang="en-US" dirty="0" err="1" smtClean="0"/>
+              <a:rPr lang="en-US" dirty="0" err="1"/>
               <a:t>zich</a:t>
             </a:r>
             <a:r>
-              <a:rPr lang="en-US" dirty="0" smtClean="0"/>
+              <a:rPr lang="en-US" dirty="0"/>
               <a:t> </a:t>
             </a:r>
             <a:r>
-              <a:rPr lang="en-US" dirty="0" err="1" smtClean="0"/>
+              <a:rPr lang="en-US" dirty="0" err="1"/>
               <a:t>afspeelt</a:t>
             </a:r>
             <a:r>
-              <a:rPr lang="en-US" dirty="0" smtClean="0"/>
+              <a:rPr lang="en-US" dirty="0"/>
               <a:t> in </a:t>
             </a:r>
             <a:r>
-              <a:rPr lang="en-US" dirty="0" err="1" smtClean="0"/>
+              <a:rPr lang="en-US" dirty="0" err="1"/>
               <a:t>stad</a:t>
             </a:r>
             <a:r>
-              <a:rPr lang="en-US" dirty="0" smtClean="0"/>
+              <a:rPr lang="en-US" dirty="0"/>
               <a:t> London </a:t>
             </a:r>
             <a:r>
-              <a:rPr lang="en-US" dirty="0" err="1" smtClean="0"/>
+              <a:rPr lang="en-US" dirty="0" err="1"/>
               <a:t>rond</a:t>
             </a:r>
             <a:r>
-              <a:rPr lang="en-US" dirty="0" smtClean="0"/>
+              <a:rPr lang="en-US" dirty="0"/>
               <a:t> 1850. </a:t>
             </a:r>
+          </a:p>
+          <a:p>
+            <a:pPr marL="0" indent="0">
+              <a:buNone/>
+            </a:pPr>
+            <a:r>
+              <a:rPr lang="en-US" dirty="0"/>
+              <a:t>In de game </a:t>
+            </a:r>
+            <a:r>
+              <a:rPr lang="en-US" dirty="0" err="1"/>
+              <a:t>speel</a:t>
+            </a:r>
+            <a:r>
+              <a:rPr lang="en-US" dirty="0"/>
+              <a:t> je </a:t>
+            </a:r>
+            <a:r>
+              <a:rPr lang="en-US" dirty="0" err="1"/>
+              <a:t>als</a:t>
+            </a:r>
+            <a:r>
+              <a:rPr lang="en-US" dirty="0"/>
+              <a:t> [Name] </a:t>
+            </a:r>
+            <a:br>
+              <a:rPr lang="en-US" dirty="0"/>
+            </a:br>
+            <a:r>
+              <a:rPr lang="en-US" dirty="0"/>
+              <a:t>die </a:t>
+            </a:r>
+            <a:r>
+              <a:rPr lang="en-US" dirty="0" err="1"/>
+              <a:t>als</a:t>
+            </a:r>
+            <a:r>
+              <a:rPr lang="en-US" dirty="0"/>
+              <a:t> </a:t>
+            </a:r>
+            <a:r>
+              <a:rPr lang="en-US" dirty="0" err="1"/>
+              <a:t>levensbron</a:t>
+            </a:r>
+            <a:r>
+              <a:rPr lang="en-US" dirty="0"/>
+              <a:t> </a:t>
+            </a:r>
+            <a:r>
+              <a:rPr lang="en-US" dirty="0" err="1"/>
+              <a:t>bloed</a:t>
+            </a:r>
+            <a:r>
+              <a:rPr lang="en-US" dirty="0"/>
+              <a:t> </a:t>
+            </a:r>
+            <a:r>
+              <a:rPr lang="en-US" dirty="0" err="1"/>
+              <a:t>gebruikt</a:t>
+            </a:r>
+            <a:r>
+              <a:rPr lang="en-US" dirty="0"/>
+              <a:t>.]</a:t>
+            </a:r>
+          </a:p>
+          <a:p>
+            <a:pPr marL="0" indent="0">
+              <a:buNone/>
+            </a:pPr>
             <a:endParaRPr lang="en-US" dirty="0"/>
-          </a:p>
-          <a:p>
-            <a:pPr marL="0" indent="0">
-              <a:buNone/>
-            </a:pPr>
-            <a:r>
-              <a:rPr lang="en-US" dirty="0" smtClean="0"/>
-              <a:t>In de game </a:t>
-            </a:r>
-            <a:r>
-              <a:rPr lang="en-US" dirty="0" err="1" smtClean="0"/>
-              <a:t>speel</a:t>
-            </a:r>
-            <a:r>
-              <a:rPr lang="en-US" dirty="0" smtClean="0"/>
-              <a:t> je </a:t>
-            </a:r>
-            <a:r>
-              <a:rPr lang="en-US" dirty="0" err="1" smtClean="0"/>
-              <a:t>als</a:t>
-            </a:r>
-            <a:r>
-              <a:rPr lang="en-US" dirty="0" smtClean="0"/>
-              <a:t> [Name] </a:t>
-            </a:r>
-            <a:br>
-              <a:rPr lang="en-US" dirty="0" smtClean="0"/>
-            </a:br>
-            <a:r>
-              <a:rPr lang="en-US" dirty="0" smtClean="0"/>
-              <a:t>die </a:t>
-            </a:r>
-            <a:r>
-              <a:rPr lang="en-US" dirty="0" err="1" smtClean="0"/>
-              <a:t>als</a:t>
-            </a:r>
-            <a:r>
-              <a:rPr lang="en-US" dirty="0" smtClean="0"/>
-              <a:t> </a:t>
-            </a:r>
-            <a:r>
-              <a:rPr lang="en-US" dirty="0" err="1" smtClean="0"/>
-              <a:t>levensbron</a:t>
-            </a:r>
-            <a:r>
-              <a:rPr lang="en-US" dirty="0" smtClean="0"/>
-              <a:t> </a:t>
-            </a:r>
-            <a:r>
-              <a:rPr lang="en-US" dirty="0" err="1" smtClean="0"/>
-              <a:t>bloed</a:t>
-            </a:r>
-            <a:r>
-              <a:rPr lang="en-US" dirty="0" smtClean="0"/>
-              <a:t> </a:t>
-            </a:r>
-            <a:r>
-              <a:rPr lang="en-US" dirty="0" err="1" smtClean="0"/>
-              <a:t>gebruikt</a:t>
-            </a:r>
-            <a:r>
-              <a:rPr lang="en-US" dirty="0" smtClean="0"/>
-              <a:t>.]</a:t>
-            </a:r>
-          </a:p>
-          <a:p>
-            <a:pPr marL="0" indent="0">
-              <a:buNone/>
-            </a:pPr>
-            <a:endParaRPr lang="en-US" dirty="0" smtClean="0"/>
           </a:p>
         </p:txBody>
       </p:sp>
@@ -6609,13 +7297,6 @@
   <p:clrMapOvr>
     <a:masterClrMapping/>
   </p:clrMapOvr>
-  <p:timing>
-    <p:tnLst>
-      <p:par>
-        <p:cTn id="1" dur="indefinite" restart="never" nodeType="tmRoot"/>
-      </p:par>
-    </p:tnLst>
-  </p:timing>
 </p:sld>
 </file>
 
@@ -6742,17 +7423,184 @@
   <p:clrMapOvr>
     <a:masterClrMapping/>
   </p:clrMapOvr>
-  <p:timing>
-    <p:tnLst>
-      <p:par>
-        <p:cTn id="1" dur="indefinite" restart="never" nodeType="tmRoot"/>
-      </p:par>
-    </p:tnLst>
-  </p:timing>
 </p:sld>
 </file>
 
 <file path=ppt/slides/slide5.xml><?xml version="1.0" encoding="utf-8"?>
+<p:sld xmlns:a="http://schemas.openxmlformats.org/drawingml/2006/main" xmlns:r="http://schemas.openxmlformats.org/officeDocument/2006/relationships" xmlns:p="http://schemas.openxmlformats.org/presentationml/2006/main">
+  <p:cSld>
+    <p:spTree>
+      <p:nvGrpSpPr>
+        <p:cNvPr id="1" name=""/>
+        <p:cNvGrpSpPr/>
+        <p:nvPr/>
+      </p:nvGrpSpPr>
+      <p:grpSpPr>
+        <a:xfrm>
+          <a:off x="0" y="0"/>
+          <a:ext cx="0" cy="0"/>
+          <a:chOff x="0" y="0"/>
+          <a:chExt cx="0" cy="0"/>
+        </a:xfrm>
+      </p:grpSpPr>
+      <p:sp>
+        <p:nvSpPr>
+          <p:cNvPr id="2" name="Title 1"/>
+          <p:cNvSpPr>
+            <a:spLocks noGrp="1"/>
+          </p:cNvSpPr>
+          <p:nvPr>
+            <p:ph type="title"/>
+          </p:nvPr>
+        </p:nvSpPr>
+        <p:spPr/>
+        <p:txBody>
+          <a:bodyPr/>
+          <a:lstStyle/>
+          <a:p>
+            <a:r>
+              <a:rPr lang="en-US" u="sng" dirty="0"/>
+              <a:t>Planning</a:t>
+            </a:r>
+            <a:endParaRPr lang="nl-NL" u="sng" dirty="0"/>
+          </a:p>
+        </p:txBody>
+      </p:sp>
+      <p:sp>
+        <p:nvSpPr>
+          <p:cNvPr id="3" name="Content Placeholder 2"/>
+          <p:cNvSpPr>
+            <a:spLocks noGrp="1"/>
+          </p:cNvSpPr>
+          <p:nvPr>
+            <p:ph idx="1"/>
+          </p:nvPr>
+        </p:nvSpPr>
+        <p:spPr>
+          <a:xfrm>
+            <a:off x="604933" y="1600200"/>
+            <a:ext cx="6347714" cy="3880773"/>
+          </a:xfrm>
+        </p:spPr>
+        <p:txBody>
+          <a:bodyPr/>
+          <a:lstStyle/>
+          <a:p>
+            <a:r>
+              <a:rPr lang="en-US" dirty="0"/>
+              <a:t>4 sprints + </a:t>
+            </a:r>
+            <a:r>
+              <a:rPr lang="en-US" dirty="0" err="1"/>
+              <a:t>presentatie</a:t>
+            </a:r>
+            <a:r>
+              <a:rPr lang="en-US" dirty="0"/>
+              <a:t> sprint</a:t>
+            </a:r>
+          </a:p>
+          <a:p>
+            <a:endParaRPr lang="en-US" dirty="0"/>
+          </a:p>
+          <a:p>
+            <a:r>
+              <a:rPr lang="en-US" dirty="0"/>
+              <a:t>Uren </a:t>
+            </a:r>
+            <a:r>
+              <a:rPr lang="en-US" dirty="0" err="1"/>
+              <a:t>registratie</a:t>
+            </a:r>
+            <a:r>
+              <a:rPr lang="en-US" dirty="0"/>
+              <a:t> </a:t>
+            </a:r>
+            <a:r>
+              <a:rPr lang="en-US" dirty="0" err="1"/>
+              <a:t>werd</a:t>
+            </a:r>
+            <a:r>
+              <a:rPr lang="en-US" dirty="0"/>
+              <a:t> </a:t>
+            </a:r>
+            <a:r>
+              <a:rPr lang="en-US" dirty="0" err="1"/>
+              <a:t>elke</a:t>
+            </a:r>
+            <a:r>
+              <a:rPr lang="en-US" dirty="0"/>
+              <a:t> les </a:t>
+            </a:r>
+            <a:r>
+              <a:rPr lang="en-US" dirty="0" err="1"/>
+              <a:t>bijgehouden</a:t>
+            </a:r>
+            <a:endParaRPr lang="en-US" dirty="0"/>
+          </a:p>
+          <a:p>
+            <a:endParaRPr lang="en-US" dirty="0"/>
+          </a:p>
+          <a:p>
+            <a:r>
+              <a:rPr lang="en-US" dirty="0" err="1"/>
+              <a:t>Wij</a:t>
+            </a:r>
+            <a:r>
+              <a:rPr lang="en-US" dirty="0"/>
+              <a:t> </a:t>
+            </a:r>
+            <a:r>
+              <a:rPr lang="en-US" dirty="0" err="1"/>
+              <a:t>gebruikten</a:t>
+            </a:r>
+            <a:r>
+              <a:rPr lang="en-US" dirty="0"/>
+              <a:t> </a:t>
+            </a:r>
+            <a:r>
+              <a:rPr lang="en-US" dirty="0" err="1"/>
+              <a:t>trello</a:t>
+            </a:r>
+            <a:r>
+              <a:rPr lang="en-US" dirty="0"/>
+              <a:t> </a:t>
+            </a:r>
+            <a:r>
+              <a:rPr lang="en-US" dirty="0" err="1"/>
+              <a:t>voor</a:t>
+            </a:r>
+            <a:r>
+              <a:rPr lang="en-US" dirty="0"/>
+              <a:t> het </a:t>
+            </a:r>
+            <a:r>
+              <a:rPr lang="en-US" dirty="0" err="1"/>
+              <a:t>bijhouden</a:t>
+            </a:r>
+            <a:r>
+              <a:rPr lang="en-US" dirty="0"/>
+              <a:t> van de planning</a:t>
+            </a:r>
+          </a:p>
+          <a:p>
+            <a:endParaRPr lang="nl-NL" dirty="0"/>
+          </a:p>
+        </p:txBody>
+      </p:sp>
+    </p:spTree>
+    <p:extLst>
+      <p:ext uri="{BB962C8B-B14F-4D97-AF65-F5344CB8AC3E}">
+        <p14:creationId xmlns:p14="http://schemas.microsoft.com/office/powerpoint/2010/main" val="3442973766"/>
+      </p:ext>
+    </p:extLst>
+  </p:cSld>
+  <p:clrMapOvr>
+    <a:masterClrMapping/>
+  </p:clrMapOvr>
+</p:sld>
+</file>
+
+<file path=ppt/slides/slide6.xml><?xml version="1.0" encoding="utf-8"?>
 <p:sld xmlns:a="http://schemas.openxmlformats.org/drawingml/2006/main" xmlns:r="http://schemas.openxmlformats.org/officeDocument/2006/relationships" xmlns:p="http://schemas.openxmlformats.org/presentationml/2006/main">
   <p:cSld>
     <p:spTree>
@@ -7194,248 +8042,6 @@
 </p:sld>
 </file>
 
-<file path=ppt/slides/slide6.xml><?xml version="1.0" encoding="utf-8"?>
-<p:sld xmlns:a="http://schemas.openxmlformats.org/drawingml/2006/main" xmlns:r="http://schemas.openxmlformats.org/officeDocument/2006/relationships" xmlns:p="http://schemas.openxmlformats.org/presentationml/2006/main">
-  <p:cSld>
-    <p:spTree>
-      <p:nvGrpSpPr>
-        <p:cNvPr id="1" name=""/>
-        <p:cNvGrpSpPr/>
-        <p:nvPr/>
-      </p:nvGrpSpPr>
-      <p:grpSpPr>
-        <a:xfrm>
-          <a:off x="0" y="0"/>
-          <a:ext cx="0" cy="0"/>
-          <a:chOff x="0" y="0"/>
-          <a:chExt cx="0" cy="0"/>
-        </a:xfrm>
-      </p:grpSpPr>
-      <p:sp>
-        <p:nvSpPr>
-          <p:cNvPr id="2" name="Titel 1"/>
-          <p:cNvSpPr>
-            <a:spLocks noGrp="1"/>
-          </p:cNvSpPr>
-          <p:nvPr>
-            <p:ph type="title"/>
-          </p:nvPr>
-        </p:nvSpPr>
-        <p:spPr/>
-        <p:txBody>
-          <a:bodyPr/>
-          <a:lstStyle/>
-          <a:p>
-            <a:r>
-              <a:rPr lang="nl-NL" u="sng" dirty="0"/>
-              <a:t>Code structuur</a:t>
-            </a:r>
-          </a:p>
-        </p:txBody>
-      </p:sp>
-      <p:sp>
-        <p:nvSpPr>
-          <p:cNvPr id="3" name="Tijdelijke aanduiding voor inhoud 2"/>
-          <p:cNvSpPr>
-            <a:spLocks noGrp="1"/>
-          </p:cNvSpPr>
-          <p:nvPr>
-            <p:ph idx="1"/>
-          </p:nvPr>
-        </p:nvSpPr>
-        <p:spPr/>
-        <p:txBody>
-          <a:bodyPr/>
-          <a:lstStyle/>
-          <a:p>
-            <a:pPr marL="0" indent="0">
-              <a:buNone/>
-            </a:pPr>
-            <a:r>
-              <a:rPr lang="nl-NL" dirty="0"/>
-              <a:t>Menustructuur:</a:t>
-            </a:r>
-          </a:p>
-          <a:p>
-            <a:pPr marL="0" indent="0">
-              <a:buNone/>
-            </a:pPr>
-            <a:r>
-              <a:rPr lang="nl-NL" sz="1200" dirty="0" err="1"/>
-              <a:t>Main</a:t>
-            </a:r>
-            <a:r>
-              <a:rPr lang="nl-NL" sz="1200" dirty="0"/>
-              <a:t> Menu, </a:t>
-            </a:r>
-            <a:r>
-              <a:rPr lang="nl-NL" sz="1200" dirty="0" err="1"/>
-              <a:t>Ingame</a:t>
-            </a:r>
-            <a:r>
-              <a:rPr lang="nl-NL" sz="1200" dirty="0"/>
-              <a:t> Menu</a:t>
-            </a:r>
-          </a:p>
-          <a:p>
-            <a:pPr marL="0" indent="0">
-              <a:buNone/>
-            </a:pPr>
-            <a:r>
-              <a:rPr lang="nl-NL" dirty="0" err="1"/>
-              <a:t>Player</a:t>
-            </a:r>
-            <a:r>
-              <a:rPr lang="nl-NL" dirty="0"/>
-              <a:t>:</a:t>
-            </a:r>
-          </a:p>
-          <a:p>
-            <a:pPr marL="0" indent="0">
-              <a:buNone/>
-            </a:pPr>
-            <a:r>
-              <a:rPr lang="nl-NL" sz="1200" dirty="0"/>
-              <a:t>Combat, </a:t>
-            </a:r>
-            <a:r>
-              <a:rPr lang="nl-NL" sz="1200" dirty="0" err="1"/>
-              <a:t>Movement</a:t>
-            </a:r>
-            <a:r>
-              <a:rPr lang="nl-NL" sz="1200" dirty="0"/>
-              <a:t>, Camera system, </a:t>
-            </a:r>
-            <a:r>
-              <a:rPr lang="nl-NL" sz="1200" dirty="0" err="1"/>
-              <a:t>Stats</a:t>
-            </a:r>
-            <a:r>
-              <a:rPr lang="nl-NL" sz="1200" dirty="0"/>
-              <a:t>, Combo System</a:t>
-            </a:r>
-          </a:p>
-          <a:p>
-            <a:pPr marL="0" indent="0">
-              <a:buNone/>
-            </a:pPr>
-            <a:r>
-              <a:rPr lang="nl-NL" dirty="0"/>
-              <a:t>Game Manager:</a:t>
-            </a:r>
-          </a:p>
-          <a:p>
-            <a:pPr marL="0" indent="0">
-              <a:buNone/>
-            </a:pPr>
-            <a:r>
-              <a:rPr lang="nl-NL" sz="1200" dirty="0" err="1"/>
-              <a:t>XmlManager</a:t>
-            </a:r>
-            <a:r>
-              <a:rPr lang="nl-NL" sz="1200" dirty="0"/>
-              <a:t>, Game </a:t>
-            </a:r>
-            <a:r>
-              <a:rPr lang="nl-NL" sz="1200" dirty="0" err="1"/>
-              <a:t>References</a:t>
-            </a:r>
-            <a:r>
-              <a:rPr lang="nl-NL" sz="1200" dirty="0"/>
-              <a:t> Script</a:t>
-            </a:r>
-          </a:p>
-          <a:p>
-            <a:pPr marL="0" indent="0">
-              <a:buNone/>
-            </a:pPr>
-            <a:r>
-              <a:rPr lang="nl-NL" dirty="0" err="1"/>
-              <a:t>Enemies</a:t>
-            </a:r>
-            <a:r>
-              <a:rPr lang="nl-NL" dirty="0"/>
-              <a:t>:</a:t>
-            </a:r>
-          </a:p>
-          <a:p>
-            <a:pPr marL="0" indent="0">
-              <a:buNone/>
-            </a:pPr>
-            <a:r>
-              <a:rPr lang="nl-NL" sz="1200" dirty="0" err="1"/>
-              <a:t>Enemy</a:t>
-            </a:r>
-            <a:r>
-              <a:rPr lang="nl-NL" sz="1200" dirty="0"/>
-              <a:t> Base Class</a:t>
-            </a:r>
-          </a:p>
-          <a:p>
-            <a:pPr marL="0" indent="0">
-              <a:buNone/>
-            </a:pPr>
-            <a:r>
-              <a:rPr lang="nl-NL" dirty="0"/>
-              <a:t>Environment:</a:t>
-            </a:r>
-          </a:p>
-          <a:p>
-            <a:pPr marL="0" indent="0">
-              <a:buNone/>
-            </a:pPr>
-            <a:r>
-              <a:rPr lang="nl-NL" sz="1200" dirty="0"/>
-              <a:t>Hint Script, Level </a:t>
-            </a:r>
-            <a:r>
-              <a:rPr lang="nl-NL" sz="1200" dirty="0" err="1"/>
-              <a:t>transitions</a:t>
-            </a:r>
-            <a:r>
-              <a:rPr lang="nl-NL" sz="1200" dirty="0"/>
-              <a:t>, </a:t>
-            </a:r>
-            <a:r>
-              <a:rPr lang="nl-NL" sz="1200" dirty="0" err="1"/>
-              <a:t>Interactables</a:t>
-            </a:r>
-            <a:endParaRPr lang="nl-NL" sz="1200" dirty="0"/>
-          </a:p>
-          <a:p>
-            <a:pPr marL="0" indent="0">
-              <a:buNone/>
-            </a:pPr>
-            <a:endParaRPr lang="nl-NL" dirty="0"/>
-          </a:p>
-          <a:p>
-            <a:pPr marL="0" indent="0">
-              <a:buNone/>
-            </a:pPr>
-            <a:endParaRPr lang="nl-NL" dirty="0"/>
-          </a:p>
-        </p:txBody>
-      </p:sp>
-    </p:spTree>
-    <p:extLst>
-      <p:ext uri="{BB962C8B-B14F-4D97-AF65-F5344CB8AC3E}">
-        <p14:creationId xmlns:p14="http://schemas.microsoft.com/office/powerpoint/2010/main" val="3179799153"/>
-      </p:ext>
-    </p:extLst>
-  </p:cSld>
-  <p:clrMapOvr>
-    <a:masterClrMapping/>
-  </p:clrMapOvr>
-  <p:timing>
-    <p:tnLst>
-      <p:par>
-        <p:cTn id="1" dur="indefinite" restart="never" nodeType="tmRoot"/>
-      </p:par>
-    </p:tnLst>
-  </p:timing>
-</p:sld>
-</file>
-
 <file path=ppt/slides/slide7.xml><?xml version="1.0" encoding="utf-8"?>
 <p:sld xmlns:a="http://schemas.openxmlformats.org/drawingml/2006/main" xmlns:r="http://schemas.openxmlformats.org/officeDocument/2006/relationships" xmlns:p="http://schemas.openxmlformats.org/presentationml/2006/main">
   <p:cSld>
@@ -7469,8 +8075,8 @@
           <a:lstStyle/>
           <a:p>
             <a:r>
-              <a:rPr lang="nl-NL" dirty="0"/>
-              <a:t>Hier de Art</a:t>
+              <a:rPr lang="nl-NL" u="sng" dirty="0"/>
+              <a:t>Code structuur</a:t>
             </a:r>
           </a:p>
         </p:txBody>
@@ -7490,27 +8096,604 @@
           <a:bodyPr/>
           <a:lstStyle/>
           <a:p>
-            <a:endParaRPr lang="nl-NL"/>
+            <a:pPr marL="0" indent="0">
+              <a:buNone/>
+            </a:pPr>
+            <a:r>
+              <a:rPr lang="nl-NL" dirty="0"/>
+              <a:t>Menustructuur:</a:t>
+            </a:r>
+          </a:p>
+          <a:p>
+            <a:pPr marL="0" indent="0">
+              <a:buNone/>
+            </a:pPr>
+            <a:r>
+              <a:rPr lang="nl-NL" sz="1200" dirty="0" err="1"/>
+              <a:t>Main</a:t>
+            </a:r>
+            <a:r>
+              <a:rPr lang="nl-NL" sz="1200" dirty="0"/>
+              <a:t> Menu, </a:t>
+            </a:r>
+            <a:r>
+              <a:rPr lang="nl-NL" sz="1200" dirty="0" err="1"/>
+              <a:t>Ingame</a:t>
+            </a:r>
+            <a:r>
+              <a:rPr lang="nl-NL" sz="1200" dirty="0"/>
+              <a:t> Menu</a:t>
+            </a:r>
+          </a:p>
+          <a:p>
+            <a:pPr marL="0" indent="0">
+              <a:buNone/>
+            </a:pPr>
+            <a:r>
+              <a:rPr lang="nl-NL" dirty="0" err="1"/>
+              <a:t>Player</a:t>
+            </a:r>
+            <a:r>
+              <a:rPr lang="nl-NL" dirty="0"/>
+              <a:t>:</a:t>
+            </a:r>
+          </a:p>
+          <a:p>
+            <a:pPr marL="0" indent="0">
+              <a:buNone/>
+            </a:pPr>
+            <a:r>
+              <a:rPr lang="nl-NL" sz="1200" dirty="0"/>
+              <a:t>Combat, </a:t>
+            </a:r>
+            <a:r>
+              <a:rPr lang="nl-NL" sz="1200" dirty="0" err="1"/>
+              <a:t>Movement</a:t>
+            </a:r>
+            <a:r>
+              <a:rPr lang="nl-NL" sz="1200" dirty="0"/>
+              <a:t>, Camera system, </a:t>
+            </a:r>
+            <a:r>
+              <a:rPr lang="nl-NL" sz="1200" dirty="0" err="1"/>
+              <a:t>Stats</a:t>
+            </a:r>
+            <a:r>
+              <a:rPr lang="nl-NL" sz="1200" dirty="0"/>
+              <a:t>, Combo System</a:t>
+            </a:r>
+          </a:p>
+          <a:p>
+            <a:pPr marL="0" indent="0">
+              <a:buNone/>
+            </a:pPr>
+            <a:r>
+              <a:rPr lang="nl-NL" dirty="0"/>
+              <a:t>Game Manager:</a:t>
+            </a:r>
+          </a:p>
+          <a:p>
+            <a:pPr marL="0" indent="0">
+              <a:buNone/>
+            </a:pPr>
+            <a:r>
+              <a:rPr lang="nl-NL" sz="1200" dirty="0" err="1"/>
+              <a:t>XmlManager</a:t>
+            </a:r>
+            <a:r>
+              <a:rPr lang="nl-NL" sz="1200" dirty="0"/>
+              <a:t>, Game </a:t>
+            </a:r>
+            <a:r>
+              <a:rPr lang="nl-NL" sz="1200" dirty="0" err="1"/>
+              <a:t>References</a:t>
+            </a:r>
+            <a:r>
+              <a:rPr lang="nl-NL" sz="1200" dirty="0"/>
+              <a:t> Script</a:t>
+            </a:r>
+          </a:p>
+          <a:p>
+            <a:pPr marL="0" indent="0">
+              <a:buNone/>
+            </a:pPr>
+            <a:r>
+              <a:rPr lang="nl-NL" dirty="0" err="1"/>
+              <a:t>Enemies</a:t>
+            </a:r>
+            <a:r>
+              <a:rPr lang="nl-NL" dirty="0"/>
+              <a:t>:</a:t>
+            </a:r>
+          </a:p>
+          <a:p>
+            <a:pPr marL="0" indent="0">
+              <a:buNone/>
+            </a:pPr>
+            <a:r>
+              <a:rPr lang="nl-NL" sz="1200" dirty="0" err="1"/>
+              <a:t>Enemy</a:t>
+            </a:r>
+            <a:r>
+              <a:rPr lang="nl-NL" sz="1200" dirty="0"/>
+              <a:t> Base Class</a:t>
+            </a:r>
+          </a:p>
+          <a:p>
+            <a:pPr marL="0" indent="0">
+              <a:buNone/>
+            </a:pPr>
+            <a:r>
+              <a:rPr lang="nl-NL" dirty="0"/>
+              <a:t>Environment:</a:t>
+            </a:r>
+          </a:p>
+          <a:p>
+            <a:pPr marL="0" indent="0">
+              <a:buNone/>
+            </a:pPr>
+            <a:r>
+              <a:rPr lang="nl-NL" sz="1200" dirty="0"/>
+              <a:t>Hint Script, Level </a:t>
+            </a:r>
+            <a:r>
+              <a:rPr lang="nl-NL" sz="1200" dirty="0" err="1"/>
+              <a:t>transitions</a:t>
+            </a:r>
+            <a:r>
+              <a:rPr lang="nl-NL" sz="1200" dirty="0"/>
+              <a:t>, </a:t>
+            </a:r>
+            <a:r>
+              <a:rPr lang="nl-NL" sz="1200" dirty="0" err="1"/>
+              <a:t>Interactables</a:t>
+            </a:r>
+            <a:endParaRPr lang="nl-NL" sz="1200" dirty="0"/>
+          </a:p>
+          <a:p>
+            <a:pPr marL="0" indent="0">
+              <a:buNone/>
+            </a:pPr>
+            <a:endParaRPr lang="nl-NL" dirty="0"/>
+          </a:p>
+          <a:p>
+            <a:pPr marL="0" indent="0">
+              <a:buNone/>
+            </a:pPr>
+            <a:endParaRPr lang="nl-NL" dirty="0"/>
           </a:p>
         </p:txBody>
       </p:sp>
     </p:spTree>
     <p:extLst>
       <p:ext uri="{BB962C8B-B14F-4D97-AF65-F5344CB8AC3E}">
-        <p14:creationId xmlns:p14="http://schemas.microsoft.com/office/powerpoint/2010/main" val="45716843"/>
+        <p14:creationId xmlns:p14="http://schemas.microsoft.com/office/powerpoint/2010/main" val="3179799153"/>
       </p:ext>
     </p:extLst>
   </p:cSld>
   <p:clrMapOvr>
     <a:masterClrMapping/>
   </p:clrMapOvr>
-  <p:timing>
-    <p:tnLst>
-      <p:par>
-        <p:cTn id="1" dur="indefinite" restart="never" nodeType="tmRoot"/>
-      </p:par>
-    </p:tnLst>
-  </p:timing>
+</p:sld>
+</file>
+
+<file path=ppt/slides/slide8.xml><?xml version="1.0" encoding="utf-8"?>
+<p:sld xmlns:a="http://schemas.openxmlformats.org/drawingml/2006/main" xmlns:r="http://schemas.openxmlformats.org/officeDocument/2006/relationships" xmlns:p="http://schemas.openxmlformats.org/presentationml/2006/main">
+  <p:cSld>
+    <p:spTree>
+      <p:nvGrpSpPr>
+        <p:cNvPr id="1" name=""/>
+        <p:cNvGrpSpPr/>
+        <p:nvPr/>
+      </p:nvGrpSpPr>
+      <p:grpSpPr>
+        <a:xfrm>
+          <a:off x="0" y="0"/>
+          <a:ext cx="0" cy="0"/>
+          <a:chOff x="0" y="0"/>
+          <a:chExt cx="0" cy="0"/>
+        </a:xfrm>
+      </p:grpSpPr>
+      <p:sp>
+        <p:nvSpPr>
+          <p:cNvPr id="2" name="Title 1"/>
+          <p:cNvSpPr>
+            <a:spLocks noGrp="1"/>
+          </p:cNvSpPr>
+          <p:nvPr>
+            <p:ph type="title"/>
+          </p:nvPr>
+        </p:nvSpPr>
+        <p:spPr>
+          <a:xfrm>
+            <a:off x="609599" y="457200"/>
+            <a:ext cx="6347713" cy="1320800"/>
+          </a:xfrm>
+        </p:spPr>
+        <p:txBody>
+          <a:bodyPr>
+            <a:normAutofit fontScale="90000"/>
+          </a:bodyPr>
+          <a:lstStyle/>
+          <a:p>
+            <a:r>
+              <a:rPr lang="en-US" sz="4000" u="sng" dirty="0" err="1"/>
+              <a:t>Organisatie</a:t>
+            </a:r>
+            <a:br>
+              <a:rPr lang="en-US" dirty="0"/>
+            </a:br>
+            <a:br>
+              <a:rPr lang="en-US" dirty="0"/>
+            </a:br>
+            <a:br>
+              <a:rPr lang="en-US" dirty="0"/>
+            </a:br>
+            <a:br>
+              <a:rPr lang="en-US" dirty="0"/>
+            </a:br>
+            <a:br>
+              <a:rPr lang="en-US" dirty="0"/>
+            </a:br>
+            <a:endParaRPr lang="nl-NL" dirty="0"/>
+          </a:p>
+        </p:txBody>
+      </p:sp>
+      <p:sp>
+        <p:nvSpPr>
+          <p:cNvPr id="3" name="Content Placeholder 2"/>
+          <p:cNvSpPr>
+            <a:spLocks noGrp="1"/>
+          </p:cNvSpPr>
+          <p:nvPr>
+            <p:ph idx="1"/>
+          </p:nvPr>
+        </p:nvSpPr>
+        <p:spPr>
+          <a:xfrm>
+            <a:off x="609599" y="1270000"/>
+            <a:ext cx="6347714" cy="5334000"/>
+          </a:xfrm>
+        </p:spPr>
+        <p:txBody>
+          <a:bodyPr/>
+          <a:lstStyle/>
+          <a:p>
+            <a:r>
+              <a:rPr lang="en-US" dirty="0"/>
+              <a:t>Naming conventions: SOORT-LEVEL-NAAM</a:t>
+            </a:r>
+          </a:p>
+          <a:p>
+            <a:pPr lvl="1">
+              <a:buFont typeface="Arial" panose="020B0604020202020204" pitchFamily="34" charset="0"/>
+              <a:buChar char="•"/>
+            </a:pPr>
+            <a:r>
+              <a:rPr lang="en-US" dirty="0" err="1"/>
+              <a:t>Bijv</a:t>
+            </a:r>
+            <a:r>
+              <a:rPr lang="en-US" dirty="0"/>
+              <a:t>:  3d-TUT-GATE</a:t>
+            </a:r>
+          </a:p>
+          <a:p>
+            <a:pPr lvl="1">
+              <a:buFont typeface="Arial" panose="020B0604020202020204" pitchFamily="34" charset="0"/>
+              <a:buChar char="•"/>
+            </a:pPr>
+            <a:endParaRPr lang="en-US" dirty="0"/>
+          </a:p>
+          <a:p>
+            <a:r>
+              <a:rPr lang="en-US" dirty="0"/>
+              <a:t>Repository: </a:t>
+            </a:r>
+            <a:r>
+              <a:rPr lang="en-US" dirty="0" err="1"/>
+              <a:t>Github</a:t>
+            </a:r>
+            <a:endParaRPr lang="en-US" dirty="0"/>
+          </a:p>
+          <a:p>
+            <a:endParaRPr lang="en-US" dirty="0"/>
+          </a:p>
+          <a:p>
+            <a:r>
+              <a:rPr lang="en-US" dirty="0"/>
+              <a:t>Semi </a:t>
+            </a:r>
+            <a:r>
+              <a:rPr lang="en-US" dirty="0" err="1"/>
+              <a:t>realistische</a:t>
+            </a:r>
+            <a:r>
+              <a:rPr lang="en-US" dirty="0"/>
+              <a:t> art style</a:t>
+            </a:r>
+          </a:p>
+          <a:p>
+            <a:endParaRPr lang="en-US" dirty="0"/>
+          </a:p>
+          <a:p>
+            <a:r>
+              <a:rPr lang="en-US" dirty="0"/>
+              <a:t>Polycount </a:t>
+            </a:r>
+          </a:p>
+          <a:p>
+            <a:pPr lvl="1">
+              <a:buFont typeface="Arial" panose="020B0604020202020204" pitchFamily="34" charset="0"/>
+              <a:buChar char="•"/>
+            </a:pPr>
+            <a:r>
+              <a:rPr lang="en-US" sz="1400" dirty="0"/>
+              <a:t>Environment: zo </a:t>
+            </a:r>
+            <a:r>
+              <a:rPr lang="en-US" sz="1400" dirty="0" err="1"/>
+              <a:t>laag</a:t>
+            </a:r>
+            <a:r>
+              <a:rPr lang="en-US" sz="1400" dirty="0"/>
+              <a:t> </a:t>
+            </a:r>
+            <a:r>
+              <a:rPr lang="en-US" sz="1400" dirty="0" err="1"/>
+              <a:t>mogelijk</a:t>
+            </a:r>
+            <a:endParaRPr lang="en-US" sz="1400" dirty="0"/>
+          </a:p>
+          <a:p>
+            <a:pPr lvl="1">
+              <a:buFont typeface="Arial" panose="020B0604020202020204" pitchFamily="34" charset="0"/>
+              <a:buChar char="•"/>
+            </a:pPr>
+            <a:r>
+              <a:rPr lang="en-US" sz="1400" dirty="0"/>
+              <a:t>Characters:    25k Tris</a:t>
+            </a:r>
+          </a:p>
+          <a:p>
+            <a:r>
+              <a:rPr lang="en-US" dirty="0"/>
+              <a:t>Texture Resolution </a:t>
+            </a:r>
+          </a:p>
+          <a:p>
+            <a:pPr lvl="1">
+              <a:buFont typeface="Arial" panose="020B0604020202020204" pitchFamily="34" charset="0"/>
+              <a:buChar char="•"/>
+            </a:pPr>
+            <a:r>
+              <a:rPr lang="en-US" dirty="0"/>
+              <a:t> 	</a:t>
+            </a:r>
+            <a:r>
+              <a:rPr lang="en-US" sz="1400" dirty="0"/>
+              <a:t>Environment: 512 x 512 – 1024 x 1024</a:t>
+            </a:r>
+          </a:p>
+          <a:p>
+            <a:pPr lvl="1">
+              <a:buFont typeface="Arial" panose="020B0604020202020204" pitchFamily="34" charset="0"/>
+              <a:buChar char="•"/>
+            </a:pPr>
+            <a:r>
+              <a:rPr lang="en-US" sz="1400" dirty="0"/>
+              <a:t>  Characters:  2K textures</a:t>
+            </a:r>
+          </a:p>
+          <a:p>
+            <a:endParaRPr lang="nl-NL" dirty="0"/>
+          </a:p>
+        </p:txBody>
+      </p:sp>
+    </p:spTree>
+    <p:extLst>
+      <p:ext uri="{BB962C8B-B14F-4D97-AF65-F5344CB8AC3E}">
+        <p14:creationId xmlns:p14="http://schemas.microsoft.com/office/powerpoint/2010/main" val="2803894880"/>
+      </p:ext>
+    </p:extLst>
+  </p:cSld>
+  <p:clrMapOvr>
+    <a:masterClrMapping/>
+  </p:clrMapOvr>
+</p:sld>
+</file>
+
+<file path=ppt/slides/slide9.xml><?xml version="1.0" encoding="utf-8"?>
+<p:sld xmlns:a="http://schemas.openxmlformats.org/drawingml/2006/main" xmlns:r="http://schemas.openxmlformats.org/officeDocument/2006/relationships" xmlns:p="http://schemas.openxmlformats.org/presentationml/2006/main">
+  <p:cSld>
+    <p:spTree>
+      <p:nvGrpSpPr>
+        <p:cNvPr id="1" name=""/>
+        <p:cNvGrpSpPr/>
+        <p:nvPr/>
+      </p:nvGrpSpPr>
+      <p:grpSpPr>
+        <a:xfrm>
+          <a:off x="0" y="0"/>
+          <a:ext cx="0" cy="0"/>
+          <a:chOff x="0" y="0"/>
+          <a:chExt cx="0" cy="0"/>
+        </a:xfrm>
+      </p:grpSpPr>
+      <p:sp>
+        <p:nvSpPr>
+          <p:cNvPr id="2" name="Title 1"/>
+          <p:cNvSpPr>
+            <a:spLocks noGrp="1"/>
+          </p:cNvSpPr>
+          <p:nvPr>
+            <p:ph type="title"/>
+          </p:nvPr>
+        </p:nvSpPr>
+        <p:spPr/>
+        <p:txBody>
+          <a:bodyPr/>
+          <a:lstStyle/>
+          <a:p>
+            <a:r>
+              <a:rPr lang="en-US" dirty="0"/>
+              <a:t>Level Design</a:t>
+            </a:r>
+            <a:endParaRPr lang="nl-NL" dirty="0"/>
+          </a:p>
+        </p:txBody>
+      </p:sp>
+      <p:pic>
+        <p:nvPicPr>
+          <p:cNvPr id="4" name="Content Placeholder 3"/>
+          <p:cNvPicPr>
+            <a:picLocks noGrp="1" noChangeAspect="1"/>
+          </p:cNvPicPr>
+          <p:nvPr>
+            <p:ph idx="1"/>
+          </p:nvPr>
+        </p:nvPicPr>
+        <p:blipFill rotWithShape="1">
+          <a:blip r:embed="rId2" cstate="print">
+            <a:extLst>
+              <a:ext uri="{28A0092B-C50C-407E-A947-70E740481C1C}">
+                <a14:useLocalDpi xmlns:a14="http://schemas.microsoft.com/office/drawing/2010/main" val="0"/>
+              </a:ext>
+            </a:extLst>
+          </a:blip>
+          <a:srcRect l="-1545" t="25185" r="1545" b="-5563"/>
+          <a:stretch/>
+        </p:blipFill>
+        <p:spPr>
+          <a:xfrm>
+            <a:off x="609599" y="1600200"/>
+            <a:ext cx="7391400" cy="2970526"/>
+          </a:xfrm>
+          <a:prstGeom prst="rect">
+            <a:avLst/>
+          </a:prstGeom>
+          <a:ln>
+            <a:noFill/>
+          </a:ln>
+          <a:effectLst>
+            <a:outerShdw blurRad="292100" dist="139700" dir="2700000" algn="tl" rotWithShape="0">
+              <a:srgbClr val="333333">
+                <a:alpha val="65000"/>
+              </a:srgbClr>
+            </a:outerShdw>
+          </a:effectLst>
+        </p:spPr>
+      </p:pic>
+      <p:sp>
+        <p:nvSpPr>
+          <p:cNvPr id="5" name="TextBox 4"/>
+          <p:cNvSpPr txBox="1"/>
+          <p:nvPr/>
+        </p:nvSpPr>
+        <p:spPr>
+          <a:xfrm>
+            <a:off x="876299" y="4684163"/>
+            <a:ext cx="6857999" cy="1754326"/>
+          </a:xfrm>
+          <a:prstGeom prst="rect">
+            <a:avLst/>
+          </a:prstGeom>
+          <a:noFill/>
+        </p:spPr>
+        <p:txBody>
+          <a:bodyPr wrap="square" rtlCol="0">
+            <a:spAutoFit/>
+          </a:bodyPr>
+          <a:lstStyle/>
+          <a:p>
+            <a:r>
+              <a:rPr lang="en-US" dirty="0"/>
+              <a:t>-</a:t>
+            </a:r>
+            <a:r>
+              <a:rPr lang="en-US" dirty="0" err="1"/>
+              <a:t>Eerste</a:t>
+            </a:r>
+            <a:r>
+              <a:rPr lang="en-US" dirty="0"/>
+              <a:t> </a:t>
+            </a:r>
+            <a:r>
+              <a:rPr lang="en-US" dirty="0" err="1"/>
+              <a:t>versie</a:t>
+            </a:r>
+            <a:r>
+              <a:rPr lang="en-US" dirty="0"/>
+              <a:t> van het tutorial level design</a:t>
+            </a:r>
+          </a:p>
+          <a:p>
+            <a:endParaRPr lang="en-US" dirty="0"/>
+          </a:p>
+          <a:p>
+            <a:r>
+              <a:rPr lang="en-US" dirty="0"/>
+              <a:t>-</a:t>
+            </a:r>
+            <a:r>
+              <a:rPr lang="en-US" dirty="0" err="1"/>
+              <a:t>Hiermee</a:t>
+            </a:r>
+            <a:r>
+              <a:rPr lang="en-US" dirty="0"/>
+              <a:t> </a:t>
+            </a:r>
+            <a:r>
+              <a:rPr lang="en-US" dirty="0" err="1"/>
+              <a:t>konden</a:t>
+            </a:r>
+            <a:r>
+              <a:rPr lang="en-US" dirty="0"/>
+              <a:t> de artists </a:t>
+            </a:r>
+            <a:r>
+              <a:rPr lang="en-US" dirty="0" err="1"/>
+              <a:t>een</a:t>
+            </a:r>
+            <a:r>
+              <a:rPr lang="en-US" dirty="0"/>
+              <a:t> </a:t>
+            </a:r>
+            <a:r>
+              <a:rPr lang="en-US" dirty="0" err="1"/>
+              <a:t>assetlijst</a:t>
+            </a:r>
+            <a:r>
+              <a:rPr lang="en-US" dirty="0"/>
+              <a:t> </a:t>
+            </a:r>
+            <a:r>
+              <a:rPr lang="en-US" dirty="0" err="1"/>
+              <a:t>samenstellen</a:t>
+            </a:r>
+            <a:endParaRPr lang="en-US" dirty="0"/>
+          </a:p>
+          <a:p>
+            <a:endParaRPr lang="en-US" dirty="0"/>
+          </a:p>
+          <a:p>
+            <a:endParaRPr lang="en-US" dirty="0"/>
+          </a:p>
+          <a:p>
+            <a:endParaRPr lang="nl-NL" dirty="0"/>
+          </a:p>
+        </p:txBody>
+      </p:sp>
+    </p:spTree>
+    <p:extLst>
+      <p:ext uri="{BB962C8B-B14F-4D97-AF65-F5344CB8AC3E}">
+        <p14:creationId xmlns:p14="http://schemas.microsoft.com/office/powerpoint/2010/main" val="2366721994"/>
+      </p:ext>
+    </p:extLst>
+  </p:cSld>
+  <p:clrMapOvr>
+    <a:masterClrMapping/>
+  </p:clrMapOvr>
 </p:sld>
 </file>
 
